--- a/C#/Lab2/Підсумки другої лабораторної роботи.pptx
+++ b/C#/Lab2/Підсумки другої лабораторної роботи.pptx
@@ -7,6 +7,16 @@
   <p:sldIdLst>
     <p:sldId id="256" r:id="rId2"/>
     <p:sldId id="257" r:id="rId3"/>
+    <p:sldId id="260" r:id="rId4"/>
+    <p:sldId id="258" r:id="rId5"/>
+    <p:sldId id="268" r:id="rId6"/>
+    <p:sldId id="259" r:id="rId7"/>
+    <p:sldId id="261" r:id="rId8"/>
+    <p:sldId id="262" r:id="rId9"/>
+    <p:sldId id="263" r:id="rId10"/>
+    <p:sldId id="264" r:id="rId11"/>
+    <p:sldId id="265" r:id="rId12"/>
+    <p:sldId id="266" r:id="rId13"/>
   </p:sldIdLst>
   <p:sldSz cx="12192000" cy="6858000"/>
   <p:notesSz cx="6858000" cy="9144000"/>
@@ -105,6 +115,11 @@
       </a:defRPr>
     </a:lvl9pPr>
   </p:defaultTextStyle>
+  <p:extLst>
+    <p:ext uri="{EFAFB233-063F-42B5-8137-9DF3F51BA10A}">
+      <p15:sldGuideLst xmlns:p15="http://schemas.microsoft.com/office/powerpoint/2012/main"/>
+    </p:ext>
+  </p:extLst>
 </p:presentation>
 </file>
 
@@ -3897,7 +3912,7 @@
         <p:spPr>
           <a:xfrm>
             <a:off x="804818" y="1562101"/>
-            <a:ext cx="3905203" cy="2738530"/>
+            <a:ext cx="4183242" cy="2738530"/>
           </a:xfrm>
         </p:spPr>
         <p:txBody>
@@ -3912,8 +3927,8 @@
               </a:lnSpc>
             </a:pPr>
             <a:r>
-              <a:rPr lang="uk-UA" sz="4800"/>
-              <a:t>Підсумки другої лабораторної роботи</a:t>
+              <a:rPr lang="uk-UA" sz="4800" dirty="0"/>
+              <a:t>Моделювання бази даних координації подій</a:t>
             </a:r>
           </a:p>
         </p:txBody>
@@ -4161,6 +4176,493 @@
 </p:sld>
 </file>
 
+<file path=ppt/slides/slide10.xml><?xml version="1.0" encoding="utf-8"?>
+<p:sld xmlns:a="http://schemas.openxmlformats.org/drawingml/2006/main" xmlns:r="http://schemas.openxmlformats.org/officeDocument/2006/relationships" xmlns:p="http://schemas.openxmlformats.org/presentationml/2006/main">
+  <p:cSld>
+    <p:spTree>
+      <p:nvGrpSpPr>
+        <p:cNvPr id="1" name=""/>
+        <p:cNvGrpSpPr/>
+        <p:nvPr/>
+      </p:nvGrpSpPr>
+      <p:grpSpPr>
+        <a:xfrm>
+          <a:off x="0" y="0"/>
+          <a:ext cx="0" cy="0"/>
+          <a:chOff x="0" y="0"/>
+          <a:chExt cx="0" cy="0"/>
+        </a:xfrm>
+      </p:grpSpPr>
+      <p:sp>
+        <p:nvSpPr>
+          <p:cNvPr id="2" name="Заголовок 1">
+            <a:extLst>
+              <a:ext uri="{FF2B5EF4-FFF2-40B4-BE49-F238E27FC236}">
+                <a16:creationId xmlns:a16="http://schemas.microsoft.com/office/drawing/2014/main" id="{16667196-ADD5-7C6F-2518-71CC91567A24}"/>
+              </a:ext>
+            </a:extLst>
+          </p:cNvPr>
+          <p:cNvSpPr>
+            <a:spLocks noGrp="1"/>
+          </p:cNvSpPr>
+          <p:nvPr>
+            <p:ph type="title"/>
+          </p:nvPr>
+        </p:nvSpPr>
+        <p:spPr/>
+        <p:txBody>
+          <a:bodyPr/>
+          <a:lstStyle/>
+          <a:p>
+            <a:r>
+              <a:rPr lang="en-US" dirty="0" err="1"/>
+              <a:t>OrderBy</a:t>
+            </a:r>
+            <a:endParaRPr lang="uk-UA" dirty="0"/>
+          </a:p>
+        </p:txBody>
+      </p:sp>
+      <p:pic>
+        <p:nvPicPr>
+          <p:cNvPr id="5" name="Місце для вмісту 4">
+            <a:extLst>
+              <a:ext uri="{FF2B5EF4-FFF2-40B4-BE49-F238E27FC236}">
+                <a16:creationId xmlns:a16="http://schemas.microsoft.com/office/drawing/2014/main" id="{084D61EC-E49A-40FA-2368-4AAA71F60301}"/>
+              </a:ext>
+            </a:extLst>
+          </p:cNvPr>
+          <p:cNvPicPr>
+            <a:picLocks noGrp="1" noChangeAspect="1"/>
+          </p:cNvPicPr>
+          <p:nvPr>
+            <p:ph idx="1"/>
+          </p:nvPr>
+        </p:nvPicPr>
+        <p:blipFill>
+          <a:blip r:embed="rId2"/>
+          <a:stretch>
+            <a:fillRect/>
+          </a:stretch>
+        </p:blipFill>
+        <p:spPr>
+          <a:xfrm>
+            <a:off x="639171" y="2464560"/>
+            <a:ext cx="10891837" cy="1924560"/>
+          </a:xfrm>
+          <a:prstGeom prst="rect">
+            <a:avLst/>
+          </a:prstGeom>
+        </p:spPr>
+      </p:pic>
+      <p:pic>
+        <p:nvPicPr>
+          <p:cNvPr id="7" name="Рисунок 6">
+            <a:extLst>
+              <a:ext uri="{FF2B5EF4-FFF2-40B4-BE49-F238E27FC236}">
+                <a16:creationId xmlns:a16="http://schemas.microsoft.com/office/drawing/2014/main" id="{E2643D08-D5BA-3F56-CAEA-1285EFB9602A}"/>
+              </a:ext>
+            </a:extLst>
+          </p:cNvPr>
+          <p:cNvPicPr>
+            <a:picLocks noChangeAspect="1"/>
+          </p:cNvPicPr>
+          <p:nvPr/>
+        </p:nvPicPr>
+        <p:blipFill>
+          <a:blip r:embed="rId3"/>
+          <a:stretch>
+            <a:fillRect/>
+          </a:stretch>
+        </p:blipFill>
+        <p:spPr>
+          <a:xfrm>
+            <a:off x="639171" y="4705985"/>
+            <a:ext cx="6648450" cy="1733550"/>
+          </a:xfrm>
+          <a:prstGeom prst="rect">
+            <a:avLst/>
+          </a:prstGeom>
+        </p:spPr>
+      </p:pic>
+    </p:spTree>
+    <p:extLst>
+      <p:ext uri="{BB962C8B-B14F-4D97-AF65-F5344CB8AC3E}">
+        <p14:creationId xmlns:p14="http://schemas.microsoft.com/office/powerpoint/2010/main" val="3631338132"/>
+      </p:ext>
+    </p:extLst>
+  </p:cSld>
+  <p:clrMapOvr>
+    <a:masterClrMapping/>
+  </p:clrMapOvr>
+</p:sld>
+</file>
+
+<file path=ppt/slides/slide11.xml><?xml version="1.0" encoding="utf-8"?>
+<p:sld xmlns:a="http://schemas.openxmlformats.org/drawingml/2006/main" xmlns:r="http://schemas.openxmlformats.org/officeDocument/2006/relationships" xmlns:p="http://schemas.openxmlformats.org/presentationml/2006/main">
+  <p:cSld>
+    <p:spTree>
+      <p:nvGrpSpPr>
+        <p:cNvPr id="1" name=""/>
+        <p:cNvGrpSpPr/>
+        <p:nvPr/>
+      </p:nvGrpSpPr>
+      <p:grpSpPr>
+        <a:xfrm>
+          <a:off x="0" y="0"/>
+          <a:ext cx="0" cy="0"/>
+          <a:chOff x="0" y="0"/>
+          <a:chExt cx="0" cy="0"/>
+        </a:xfrm>
+      </p:grpSpPr>
+      <p:sp>
+        <p:nvSpPr>
+          <p:cNvPr id="2" name="Заголовок 1">
+            <a:extLst>
+              <a:ext uri="{FF2B5EF4-FFF2-40B4-BE49-F238E27FC236}">
+                <a16:creationId xmlns:a16="http://schemas.microsoft.com/office/drawing/2014/main" id="{C41EFB0E-934F-682E-8F62-DCB923DF3EBF}"/>
+              </a:ext>
+            </a:extLst>
+          </p:cNvPr>
+          <p:cNvSpPr>
+            <a:spLocks noGrp="1"/>
+          </p:cNvSpPr>
+          <p:nvPr>
+            <p:ph type="title"/>
+          </p:nvPr>
+        </p:nvSpPr>
+        <p:spPr/>
+        <p:txBody>
+          <a:bodyPr/>
+          <a:lstStyle/>
+          <a:p>
+            <a:r>
+              <a:rPr lang="en-US" dirty="0"/>
+              <a:t>Average	</a:t>
+            </a:r>
+            <a:endParaRPr lang="uk-UA" dirty="0"/>
+          </a:p>
+        </p:txBody>
+      </p:sp>
+      <p:pic>
+        <p:nvPicPr>
+          <p:cNvPr id="5" name="Місце для вмісту 4">
+            <a:extLst>
+              <a:ext uri="{FF2B5EF4-FFF2-40B4-BE49-F238E27FC236}">
+                <a16:creationId xmlns:a16="http://schemas.microsoft.com/office/drawing/2014/main" id="{0512A9D5-0EBE-EFFB-CABE-74D8DA36B0B9}"/>
+              </a:ext>
+            </a:extLst>
+          </p:cNvPr>
+          <p:cNvPicPr>
+            <a:picLocks noGrp="1" noChangeAspect="1"/>
+          </p:cNvPicPr>
+          <p:nvPr>
+            <p:ph idx="1"/>
+          </p:nvPr>
+        </p:nvPicPr>
+        <p:blipFill>
+          <a:blip r:embed="rId2"/>
+          <a:stretch>
+            <a:fillRect/>
+          </a:stretch>
+        </p:blipFill>
+        <p:spPr>
+          <a:xfrm>
+            <a:off x="660992" y="2468881"/>
+            <a:ext cx="9510670" cy="1523999"/>
+          </a:xfrm>
+          <a:prstGeom prst="rect">
+            <a:avLst/>
+          </a:prstGeom>
+        </p:spPr>
+      </p:pic>
+      <p:pic>
+        <p:nvPicPr>
+          <p:cNvPr id="7" name="Рисунок 6">
+            <a:extLst>
+              <a:ext uri="{FF2B5EF4-FFF2-40B4-BE49-F238E27FC236}">
+                <a16:creationId xmlns:a16="http://schemas.microsoft.com/office/drawing/2014/main" id="{A3FA167F-3FBC-114D-C70D-5E5E5080CB95}"/>
+              </a:ext>
+            </a:extLst>
+          </p:cNvPr>
+          <p:cNvPicPr>
+            <a:picLocks noChangeAspect="1"/>
+          </p:cNvPicPr>
+          <p:nvPr/>
+        </p:nvPicPr>
+        <p:blipFill>
+          <a:blip r:embed="rId3"/>
+          <a:stretch>
+            <a:fillRect/>
+          </a:stretch>
+        </p:blipFill>
+        <p:spPr>
+          <a:xfrm>
+            <a:off x="640079" y="4333875"/>
+            <a:ext cx="5730241" cy="760958"/>
+          </a:xfrm>
+          <a:prstGeom prst="rect">
+            <a:avLst/>
+          </a:prstGeom>
+        </p:spPr>
+      </p:pic>
+    </p:spTree>
+    <p:extLst>
+      <p:ext uri="{BB962C8B-B14F-4D97-AF65-F5344CB8AC3E}">
+        <p14:creationId xmlns:p14="http://schemas.microsoft.com/office/powerpoint/2010/main" val="2549817402"/>
+      </p:ext>
+    </p:extLst>
+  </p:cSld>
+  <p:clrMapOvr>
+    <a:masterClrMapping/>
+  </p:clrMapOvr>
+</p:sld>
+</file>
+
+<file path=ppt/slides/slide12.xml><?xml version="1.0" encoding="utf-8"?>
+<p:sld xmlns:a="http://schemas.openxmlformats.org/drawingml/2006/main" xmlns:r="http://schemas.openxmlformats.org/officeDocument/2006/relationships" xmlns:p="http://schemas.openxmlformats.org/presentationml/2006/main">
+  <p:cSld>
+    <p:bg>
+      <p:bgPr>
+        <a:solidFill>
+          <a:schemeClr val="bg1"/>
+        </a:solidFill>
+        <a:effectLst/>
+      </p:bgPr>
+    </p:bg>
+    <p:spTree>
+      <p:nvGrpSpPr>
+        <p:cNvPr id="1" name=""/>
+        <p:cNvGrpSpPr/>
+        <p:nvPr/>
+      </p:nvGrpSpPr>
+      <p:grpSpPr>
+        <a:xfrm>
+          <a:off x="0" y="0"/>
+          <a:ext cx="0" cy="0"/>
+          <a:chOff x="0" y="0"/>
+          <a:chExt cx="0" cy="0"/>
+        </a:xfrm>
+      </p:grpSpPr>
+      <p:cxnSp>
+        <p:nvCxnSpPr>
+          <p:cNvPr id="8" name="Straight Connector 7">
+            <a:extLst>
+              <a:ext uri="{FF2B5EF4-FFF2-40B4-BE49-F238E27FC236}">
+                <a16:creationId xmlns:a16="http://schemas.microsoft.com/office/drawing/2014/main" id="{118E06E4-607B-144B-382B-AD3D06B1EE8C}"/>
+              </a:ext>
+              <a:ext uri="{C183D7F6-B498-43B3-948B-1728B52AA6E4}">
+                <adec:decorative xmlns:adec="http://schemas.microsoft.com/office/drawing/2017/decorative" val="1"/>
+              </a:ext>
+            </a:extLst>
+          </p:cNvPr>
+          <p:cNvCxnSpPr>
+            <a:cxnSpLocks noGrp="1" noRot="1" noChangeAspect="1" noMove="1" noResize="1" noEditPoints="1" noAdjustHandles="1" noChangeArrowheads="1" noChangeShapeType="1"/>
+          </p:cNvCxnSpPr>
+          <p:nvPr>
+            <p:extLst>
+              <p:ext uri="{386F3935-93C4-4BCD-93E2-E3B085C9AB24}">
+                <p16:designElem xmlns:p16="http://schemas.microsoft.com/office/powerpoint/2015/main" val="1"/>
+              </p:ext>
+            </p:extLst>
+          </p:nvPr>
+        </p:nvCxnSpPr>
+        <p:spPr>
+          <a:xfrm>
+            <a:off x="713232" y="1031001"/>
+            <a:ext cx="978862" cy="0"/>
+          </a:xfrm>
+          <a:prstGeom prst="line">
+            <a:avLst/>
+          </a:prstGeom>
+          <a:ln w="76200"/>
+        </p:spPr>
+        <p:style>
+          <a:lnRef idx="1">
+            <a:schemeClr val="accent1"/>
+          </a:lnRef>
+          <a:fillRef idx="0">
+            <a:schemeClr val="accent1"/>
+          </a:fillRef>
+          <a:effectRef idx="0">
+            <a:schemeClr val="accent1"/>
+          </a:effectRef>
+          <a:fontRef idx="minor">
+            <a:schemeClr val="tx1"/>
+          </a:fontRef>
+        </p:style>
+      </p:cxnSp>
+      <p:sp useBgFill="1">
+        <p:nvSpPr>
+          <p:cNvPr id="10" name="Rectangle 9">
+            <a:extLst>
+              <a:ext uri="{FF2B5EF4-FFF2-40B4-BE49-F238E27FC236}">
+                <a16:creationId xmlns:a16="http://schemas.microsoft.com/office/drawing/2014/main" id="{19F9BF86-FE94-4517-B97D-026C7515E589}"/>
+              </a:ext>
+              <a:ext uri="{C183D7F6-B498-43B3-948B-1728B52AA6E4}">
+                <adec:decorative xmlns:adec="http://schemas.microsoft.com/office/drawing/2017/decorative" val="1"/>
+              </a:ext>
+            </a:extLst>
+          </p:cNvPr>
+          <p:cNvSpPr>
+            <a:spLocks noGrp="1" noRot="1" noChangeAspect="1" noMove="1" noResize="1" noEditPoints="1" noAdjustHandles="1" noChangeArrowheads="1" noChangeShapeType="1" noTextEdit="1"/>
+          </p:cNvSpPr>
+          <p:nvPr>
+            <p:extLst>
+              <p:ext uri="{386F3935-93C4-4BCD-93E2-E3B085C9AB24}">
+                <p16:designElem xmlns:p16="http://schemas.microsoft.com/office/powerpoint/2015/main" val="1"/>
+              </p:ext>
+            </p:extLst>
+          </p:nvPr>
+        </p:nvSpPr>
+        <p:spPr>
+          <a:xfrm>
+            <a:off x="0" y="0"/>
+            <a:ext cx="12192000" cy="6858000"/>
+          </a:xfrm>
+          <a:prstGeom prst="rect">
+            <a:avLst/>
+          </a:prstGeom>
+          <a:ln w="12700" cap="flat" cmpd="sng" algn="ctr">
+            <a:noFill/>
+            <a:prstDash val="solid"/>
+            <a:miter lim="800000"/>
+          </a:ln>
+          <a:effectLst/>
+          <a:extLst>
+            <a:ext uri="{91240B29-F687-4F45-9708-019B960494DF}">
+              <a14:hiddenLine xmlns:a14="http://schemas.microsoft.com/office/drawing/2010/main" w="12700" cap="flat" cmpd="sng" algn="ctr">
+                <a:solidFill>
+                  <a:schemeClr val="accent1">
+                    <a:shade val="50000"/>
+                  </a:schemeClr>
+                </a:solidFill>
+                <a:prstDash val="solid"/>
+                <a:miter lim="800000"/>
+              </a14:hiddenLine>
+            </a:ext>
+          </a:extLst>
+        </p:spPr>
+        <p:style>
+          <a:lnRef idx="2">
+            <a:schemeClr val="accent1">
+              <a:shade val="50000"/>
+            </a:schemeClr>
+          </a:lnRef>
+          <a:fillRef idx="1">
+            <a:schemeClr val="accent1"/>
+          </a:fillRef>
+          <a:effectRef idx="0">
+            <a:schemeClr val="accent1"/>
+          </a:effectRef>
+          <a:fontRef idx="minor">
+            <a:schemeClr val="lt1"/>
+          </a:fontRef>
+        </p:style>
+        <p:txBody>
+          <a:bodyPr rtlCol="0" anchor="ctr"/>
+          <a:lstStyle/>
+          <a:p>
+            <a:pPr algn="ctr"/>
+            <a:endParaRPr lang="en-US"/>
+          </a:p>
+        </p:txBody>
+      </p:sp>
+      <p:sp>
+        <p:nvSpPr>
+          <p:cNvPr id="2" name="Заголовок 1">
+            <a:extLst>
+              <a:ext uri="{FF2B5EF4-FFF2-40B4-BE49-F238E27FC236}">
+                <a16:creationId xmlns:a16="http://schemas.microsoft.com/office/drawing/2014/main" id="{E1326867-DC81-7AD6-EACC-6654F3A4ECF7}"/>
+              </a:ext>
+            </a:extLst>
+          </p:cNvPr>
+          <p:cNvSpPr>
+            <a:spLocks noGrp="1"/>
+          </p:cNvSpPr>
+          <p:nvPr>
+            <p:ph type="title"/>
+          </p:nvPr>
+        </p:nvSpPr>
+        <p:spPr>
+          <a:xfrm>
+            <a:off x="640079" y="1473198"/>
+            <a:ext cx="7414029" cy="2696866"/>
+          </a:xfrm>
+        </p:spPr>
+        <p:txBody>
+          <a:bodyPr vert="horz" lIns="91440" tIns="45720" rIns="91440" bIns="45720" rtlCol="0" anchor="b">
+            <a:normAutofit/>
+          </a:bodyPr>
+          <a:lstStyle/>
+          <a:p>
+            <a:r>
+              <a:rPr lang="en-US" sz="6600"/>
+              <a:t>Дякую за увагу</a:t>
+            </a:r>
+          </a:p>
+        </p:txBody>
+      </p:sp>
+      <p:cxnSp>
+        <p:nvCxnSpPr>
+          <p:cNvPr id="12" name="Straight Connector 11">
+            <a:extLst>
+              <a:ext uri="{FF2B5EF4-FFF2-40B4-BE49-F238E27FC236}">
+                <a16:creationId xmlns:a16="http://schemas.microsoft.com/office/drawing/2014/main" id="{9B9E2C38-33D2-1944-B9C2-8965AFC61EBE}"/>
+              </a:ext>
+              <a:ext uri="{C183D7F6-B498-43B3-948B-1728B52AA6E4}">
+                <adec:decorative xmlns:adec="http://schemas.microsoft.com/office/drawing/2017/decorative" val="1"/>
+              </a:ext>
+            </a:extLst>
+          </p:cNvPr>
+          <p:cNvCxnSpPr>
+            <a:cxnSpLocks noGrp="1" noRot="1" noChangeAspect="1" noMove="1" noResize="1" noEditPoints="1" noAdjustHandles="1" noChangeArrowheads="1" noChangeShapeType="1"/>
+          </p:cNvCxnSpPr>
+          <p:nvPr>
+            <p:extLst>
+              <p:ext uri="{386F3935-93C4-4BCD-93E2-E3B085C9AB24}">
+                <p16:designElem xmlns:p16="http://schemas.microsoft.com/office/powerpoint/2015/main" val="1"/>
+              </p:ext>
+            </p:extLst>
+          </p:nvPr>
+        </p:nvCxnSpPr>
+        <p:spPr>
+          <a:xfrm>
+            <a:off x="780869" y="4733523"/>
+            <a:ext cx="731520" cy="0"/>
+          </a:xfrm>
+          <a:prstGeom prst="line">
+            <a:avLst/>
+          </a:prstGeom>
+          <a:ln w="57150"/>
+        </p:spPr>
+        <p:style>
+          <a:lnRef idx="1">
+            <a:schemeClr val="accent1"/>
+          </a:lnRef>
+          <a:fillRef idx="0">
+            <a:schemeClr val="accent1"/>
+          </a:fillRef>
+          <a:effectRef idx="0">
+            <a:schemeClr val="accent1"/>
+          </a:effectRef>
+          <a:fontRef idx="minor">
+            <a:schemeClr val="tx1"/>
+          </a:fontRef>
+        </p:style>
+      </p:cxnSp>
+    </p:spTree>
+    <p:extLst>
+      <p:ext uri="{BB962C8B-B14F-4D97-AF65-F5344CB8AC3E}">
+        <p14:creationId xmlns:p14="http://schemas.microsoft.com/office/powerpoint/2010/main" val="3989078795"/>
+      </p:ext>
+    </p:extLst>
+  </p:cSld>
+  <p:clrMapOvr>
+    <a:masterClrMapping/>
+  </p:clrMapOvr>
+</p:sld>
+</file>
+
 <file path=ppt/slides/slide2.xml><?xml version="1.0" encoding="utf-8"?>
 <p:sld xmlns:a="http://schemas.openxmlformats.org/drawingml/2006/main" xmlns:r="http://schemas.openxmlformats.org/officeDocument/2006/relationships" xmlns:p="http://schemas.openxmlformats.org/presentationml/2006/main">
   <p:cSld>
@@ -4232,7 +4734,7 @@
             </a:pPr>
             <a:r>
               <a:rPr lang="uk-UA" dirty="0"/>
-              <a:t>	Мені попалась тема «Культурний центр міста». Замовником бази даних був координатор подій, який організовував фестивалі, квитки й учасників.</a:t>
+              <a:t>Мені попалась тема «Культурний центр міста». Замовником бази даних був координатор подій, який організовував фестивалі, квитки й учасників.</a:t>
             </a:r>
           </a:p>
           <a:p>
@@ -4241,12 +4743,43 @@
             </a:pPr>
             <a:r>
               <a:rPr lang="uk-UA" dirty="0"/>
-              <a:t>	Основними </a:t>
-            </a:r>
-            <a:r>
-              <a:rPr lang="uk-UA"/>
-              <a:t>проблемами замовника були </a:t>
-            </a:r>
+              <a:t>Основними проблемами замовника були:</a:t>
+            </a:r>
+          </a:p>
+          <a:p>
+            <a:r>
+              <a:rPr lang="uk-UA" dirty="0"/>
+              <a:t>Відсутність єдиної бази даних.</a:t>
+            </a:r>
+            <a:endParaRPr lang="en-US" dirty="0"/>
+          </a:p>
+          <a:p>
+            <a:r>
+              <a:rPr lang="uk-UA" dirty="0"/>
+              <a:t>Постійний хаос в роботі команди.</a:t>
+            </a:r>
+          </a:p>
+          <a:p>
+            <a:r>
+              <a:rPr lang="uk-UA" dirty="0"/>
+              <a:t>Неочікувані зміни в </a:t>
+            </a:r>
+            <a:r>
+              <a:rPr lang="uk-UA" dirty="0" err="1"/>
+              <a:t>райдерах</a:t>
+            </a:r>
+            <a:r>
+              <a:rPr lang="uk-UA" dirty="0"/>
+              <a:t> учасників.</a:t>
+            </a:r>
+          </a:p>
+          <a:p>
+            <a:r>
+              <a:rPr lang="uk-UA" dirty="0"/>
+              <a:t>Проблеми з партнерами, а саме узгодженням гучності та розміщенням зон.</a:t>
+            </a:r>
+          </a:p>
+          <a:p>
             <a:endParaRPr lang="uk-UA" dirty="0"/>
           </a:p>
         </p:txBody>
@@ -4255,6 +4788,1889 @@
     <p:extLst>
       <p:ext uri="{BB962C8B-B14F-4D97-AF65-F5344CB8AC3E}">
         <p14:creationId xmlns:p14="http://schemas.microsoft.com/office/powerpoint/2010/main" val="2270498121"/>
+      </p:ext>
+    </p:extLst>
+  </p:cSld>
+  <p:clrMapOvr>
+    <a:masterClrMapping/>
+  </p:clrMapOvr>
+</p:sld>
+</file>
+
+<file path=ppt/slides/slide3.xml><?xml version="1.0" encoding="utf-8"?>
+<p:sld xmlns:a="http://schemas.openxmlformats.org/drawingml/2006/main" xmlns:r="http://schemas.openxmlformats.org/officeDocument/2006/relationships" xmlns:p="http://schemas.openxmlformats.org/presentationml/2006/main">
+  <p:cSld>
+    <p:bg>
+      <p:bgPr>
+        <a:solidFill>
+          <a:schemeClr val="bg1"/>
+        </a:solidFill>
+        <a:effectLst/>
+      </p:bgPr>
+    </p:bg>
+    <p:spTree>
+      <p:nvGrpSpPr>
+        <p:cNvPr id="1" name=""/>
+        <p:cNvGrpSpPr/>
+        <p:nvPr/>
+      </p:nvGrpSpPr>
+      <p:grpSpPr>
+        <a:xfrm>
+          <a:off x="0" y="0"/>
+          <a:ext cx="0" cy="0"/>
+          <a:chOff x="0" y="0"/>
+          <a:chExt cx="0" cy="0"/>
+        </a:xfrm>
+      </p:grpSpPr>
+      <p:sp useBgFill="1">
+        <p:nvSpPr>
+          <p:cNvPr id="8" name="Rectangle 7">
+            <a:extLst>
+              <a:ext uri="{FF2B5EF4-FFF2-40B4-BE49-F238E27FC236}">
+                <a16:creationId xmlns:a16="http://schemas.microsoft.com/office/drawing/2014/main" id="{DBDA151C-5770-45E4-AAFF-59E7F403866D}"/>
+              </a:ext>
+              <a:ext uri="{C183D7F6-B498-43B3-948B-1728B52AA6E4}">
+                <adec:decorative xmlns:adec="http://schemas.microsoft.com/office/drawing/2017/decorative" val="1"/>
+              </a:ext>
+            </a:extLst>
+          </p:cNvPr>
+          <p:cNvSpPr>
+            <a:spLocks noGrp="1" noRot="1" noChangeAspect="1" noMove="1" noResize="1" noEditPoints="1" noAdjustHandles="1" noChangeArrowheads="1" noChangeShapeType="1" noTextEdit="1"/>
+          </p:cNvSpPr>
+          <p:nvPr>
+            <p:extLst>
+              <p:ext uri="{386F3935-93C4-4BCD-93E2-E3B085C9AB24}">
+                <p16:designElem xmlns:p16="http://schemas.microsoft.com/office/powerpoint/2015/main" val="1"/>
+              </p:ext>
+            </p:extLst>
+          </p:nvPr>
+        </p:nvSpPr>
+        <p:spPr>
+          <a:xfrm>
+            <a:off x="0" y="0"/>
+            <a:ext cx="12192000" cy="6858000"/>
+          </a:xfrm>
+          <a:prstGeom prst="rect">
+            <a:avLst/>
+          </a:prstGeom>
+          <a:ln w="12700" cap="flat" cmpd="sng" algn="ctr">
+            <a:noFill/>
+            <a:prstDash val="solid"/>
+            <a:miter lim="800000"/>
+          </a:ln>
+          <a:effectLst/>
+          <a:extLst>
+            <a:ext uri="{91240B29-F687-4F45-9708-019B960494DF}">
+              <a14:hiddenLine xmlns:a14="http://schemas.microsoft.com/office/drawing/2010/main" w="12700" cap="flat" cmpd="sng" algn="ctr">
+                <a:solidFill>
+                  <a:schemeClr val="accent1">
+                    <a:shade val="50000"/>
+                  </a:schemeClr>
+                </a:solidFill>
+                <a:prstDash val="solid"/>
+                <a:miter lim="800000"/>
+              </a14:hiddenLine>
+            </a:ext>
+          </a:extLst>
+        </p:spPr>
+        <p:style>
+          <a:lnRef idx="2">
+            <a:schemeClr val="accent1">
+              <a:shade val="50000"/>
+            </a:schemeClr>
+          </a:lnRef>
+          <a:fillRef idx="1">
+            <a:schemeClr val="accent1"/>
+          </a:fillRef>
+          <a:effectRef idx="0">
+            <a:schemeClr val="accent1"/>
+          </a:effectRef>
+          <a:fontRef idx="minor">
+            <a:schemeClr val="lt1"/>
+          </a:fontRef>
+        </p:style>
+        <p:txBody>
+          <a:bodyPr rtlCol="0" anchor="ctr"/>
+          <a:lstStyle/>
+          <a:p>
+            <a:pPr algn="ctr"/>
+            <a:endParaRPr lang="en-US" dirty="0"/>
+          </a:p>
+        </p:txBody>
+      </p:sp>
+      <p:sp>
+        <p:nvSpPr>
+          <p:cNvPr id="2" name="Заголовок 1">
+            <a:extLst>
+              <a:ext uri="{FF2B5EF4-FFF2-40B4-BE49-F238E27FC236}">
+                <a16:creationId xmlns:a16="http://schemas.microsoft.com/office/drawing/2014/main" id="{D842A106-D2C1-BCAB-356B-97071A523709}"/>
+              </a:ext>
+            </a:extLst>
+          </p:cNvPr>
+          <p:cNvSpPr>
+            <a:spLocks noGrp="1"/>
+          </p:cNvSpPr>
+          <p:nvPr>
+            <p:ph type="title"/>
+          </p:nvPr>
+        </p:nvSpPr>
+        <p:spPr>
+          <a:xfrm>
+            <a:off x="640080" y="914400"/>
+            <a:ext cx="3794760" cy="4144684"/>
+          </a:xfrm>
+        </p:spPr>
+        <p:txBody>
+          <a:bodyPr anchor="t">
+            <a:normAutofit/>
+          </a:bodyPr>
+          <a:lstStyle/>
+          <a:p>
+            <a:r>
+              <a:rPr lang="uk-UA" dirty="0"/>
+              <a:t>Аналіз предметної області</a:t>
+            </a:r>
+          </a:p>
+        </p:txBody>
+      </p:sp>
+      <p:sp>
+        <p:nvSpPr>
+          <p:cNvPr id="3" name="Місце для вмісту 2">
+            <a:extLst>
+              <a:ext uri="{FF2B5EF4-FFF2-40B4-BE49-F238E27FC236}">
+                <a16:creationId xmlns:a16="http://schemas.microsoft.com/office/drawing/2014/main" id="{C6D1C4A7-B95D-F464-36AC-87FE91D04C84}"/>
+              </a:ext>
+            </a:extLst>
+          </p:cNvPr>
+          <p:cNvSpPr>
+            <a:spLocks noGrp="1"/>
+          </p:cNvSpPr>
+          <p:nvPr>
+            <p:ph idx="1"/>
+          </p:nvPr>
+        </p:nvSpPr>
+        <p:spPr>
+          <a:xfrm>
+            <a:off x="5148072" y="1051559"/>
+            <a:ext cx="6382937" cy="5248656"/>
+          </a:xfrm>
+        </p:spPr>
+        <p:txBody>
+          <a:bodyPr anchor="t">
+            <a:normAutofit/>
+          </a:bodyPr>
+          <a:lstStyle/>
+          <a:p>
+            <a:pPr>
+              <a:lnSpc>
+                <a:spcPct val="110000"/>
+              </a:lnSpc>
+            </a:pPr>
+            <a:r>
+              <a:rPr lang="en-GB" sz="1300" dirty="0"/>
+              <a:t>Participants: *id, name, transport, </a:t>
+            </a:r>
+            <a:r>
+              <a:rPr lang="en-GB" sz="1300" dirty="0" err="1"/>
+              <a:t>arrives_at</a:t>
+            </a:r>
+            <a:r>
+              <a:rPr lang="en-GB" sz="1300" dirty="0"/>
+              <a:t>, </a:t>
+            </a:r>
+            <a:r>
+              <a:rPr lang="en-GB" sz="1300" dirty="0" err="1"/>
+              <a:t>hand_color</a:t>
+            </a:r>
+            <a:r>
+              <a:rPr lang="en-GB" sz="1300" dirty="0"/>
+              <a:t>, </a:t>
+            </a:r>
+            <a:r>
+              <a:rPr lang="en-GB" sz="1300" dirty="0" err="1"/>
+              <a:t>contact_number</a:t>
+            </a:r>
+            <a:r>
+              <a:rPr lang="en-GB" sz="1300" dirty="0"/>
+              <a:t>, notes.</a:t>
+            </a:r>
+          </a:p>
+          <a:p>
+            <a:pPr>
+              <a:lnSpc>
+                <a:spcPct val="110000"/>
+              </a:lnSpc>
+            </a:pPr>
+            <a:r>
+              <a:rPr lang="en-GB" sz="1300" dirty="0" err="1"/>
+              <a:t>TeamMembers</a:t>
+            </a:r>
+            <a:r>
+              <a:rPr lang="en-GB" sz="1300" dirty="0"/>
+              <a:t>: *id, </a:t>
+            </a:r>
+            <a:r>
+              <a:rPr lang="en-GB" sz="1300" dirty="0" err="1"/>
+              <a:t>participant_id</a:t>
+            </a:r>
+            <a:r>
+              <a:rPr lang="en-GB" sz="1300" dirty="0"/>
+              <a:t>, name, role, </a:t>
+            </a:r>
+            <a:r>
+              <a:rPr lang="en-GB" sz="1300" dirty="0" err="1"/>
+              <a:t>contact_number</a:t>
+            </a:r>
+            <a:r>
+              <a:rPr lang="en-GB" sz="1300" dirty="0"/>
+              <a:t>.</a:t>
+            </a:r>
+          </a:p>
+          <a:p>
+            <a:pPr>
+              <a:lnSpc>
+                <a:spcPct val="110000"/>
+              </a:lnSpc>
+            </a:pPr>
+            <a:r>
+              <a:rPr lang="en-GB" sz="1300" dirty="0"/>
+              <a:t>Accreditations: *id, </a:t>
+            </a:r>
+            <a:r>
+              <a:rPr lang="en-GB" sz="1300" dirty="0" err="1"/>
+              <a:t>team_member_id</a:t>
+            </a:r>
+            <a:r>
+              <a:rPr lang="en-GB" sz="1300" dirty="0"/>
+              <a:t>, </a:t>
+            </a:r>
+            <a:r>
+              <a:rPr lang="en-GB" sz="1300" dirty="0" err="1"/>
+              <a:t>valid_from</a:t>
+            </a:r>
+            <a:r>
+              <a:rPr lang="en-GB" sz="1300" dirty="0"/>
+              <a:t>, </a:t>
+            </a:r>
+            <a:r>
+              <a:rPr lang="en-GB" sz="1300" dirty="0" err="1"/>
+              <a:t>valid_to</a:t>
+            </a:r>
+            <a:r>
+              <a:rPr lang="en-GB" sz="1300" dirty="0"/>
+              <a:t>.</a:t>
+            </a:r>
+          </a:p>
+          <a:p>
+            <a:pPr>
+              <a:lnSpc>
+                <a:spcPct val="110000"/>
+              </a:lnSpc>
+            </a:pPr>
+            <a:r>
+              <a:rPr lang="en-GB" sz="1300" dirty="0"/>
+              <a:t>Stages: *id, name, location, capacity.</a:t>
+            </a:r>
+          </a:p>
+          <a:p>
+            <a:pPr>
+              <a:lnSpc>
+                <a:spcPct val="110000"/>
+              </a:lnSpc>
+            </a:pPr>
+            <a:r>
+              <a:rPr lang="en-GB" sz="1300" dirty="0"/>
+              <a:t>Performances: *id, </a:t>
+            </a:r>
+            <a:r>
+              <a:rPr lang="en-GB" sz="1300" dirty="0" err="1"/>
+              <a:t>participant_id</a:t>
+            </a:r>
+            <a:r>
+              <a:rPr lang="en-GB" sz="1300" dirty="0"/>
+              <a:t>, </a:t>
+            </a:r>
+            <a:r>
+              <a:rPr lang="en-GB" sz="1300" dirty="0" err="1"/>
+              <a:t>stage_id</a:t>
+            </a:r>
+            <a:r>
+              <a:rPr lang="en-GB" sz="1300" dirty="0"/>
+              <a:t>, </a:t>
+            </a:r>
+            <a:r>
+              <a:rPr lang="en-GB" sz="1300" dirty="0" err="1"/>
+              <a:t>starts_at</a:t>
+            </a:r>
+            <a:r>
+              <a:rPr lang="en-GB" sz="1300" dirty="0"/>
+              <a:t>, </a:t>
+            </a:r>
+            <a:r>
+              <a:rPr lang="en-GB" sz="1300" dirty="0" err="1"/>
+              <a:t>ends_at</a:t>
+            </a:r>
+            <a:r>
+              <a:rPr lang="en-GB" sz="1300" dirty="0"/>
+              <a:t>.</a:t>
+            </a:r>
+          </a:p>
+          <a:p>
+            <a:pPr>
+              <a:lnSpc>
+                <a:spcPct val="110000"/>
+              </a:lnSpc>
+            </a:pPr>
+            <a:r>
+              <a:rPr lang="en-GB" sz="1300" dirty="0" err="1"/>
+              <a:t>TechnicalBreaks</a:t>
+            </a:r>
+            <a:r>
+              <a:rPr lang="en-GB" sz="1300" dirty="0"/>
+              <a:t>: *id, </a:t>
+            </a:r>
+            <a:r>
+              <a:rPr lang="en-GB" sz="1300" dirty="0" err="1"/>
+              <a:t>stage_id</a:t>
+            </a:r>
+            <a:r>
+              <a:rPr lang="en-GB" sz="1300" dirty="0"/>
+              <a:t>, </a:t>
+            </a:r>
+            <a:r>
+              <a:rPr lang="en-GB" sz="1300" dirty="0" err="1"/>
+              <a:t>starts_at</a:t>
+            </a:r>
+            <a:r>
+              <a:rPr lang="en-GB" sz="1300" dirty="0"/>
+              <a:t>, </a:t>
+            </a:r>
+            <a:r>
+              <a:rPr lang="en-GB" sz="1300" dirty="0" err="1"/>
+              <a:t>ends_at</a:t>
+            </a:r>
+            <a:r>
+              <a:rPr lang="en-GB" sz="1300" dirty="0"/>
+              <a:t>, notes.</a:t>
+            </a:r>
+          </a:p>
+          <a:p>
+            <a:pPr>
+              <a:lnSpc>
+                <a:spcPct val="110000"/>
+              </a:lnSpc>
+            </a:pPr>
+            <a:r>
+              <a:rPr lang="en-GB" sz="1300" dirty="0"/>
+              <a:t>Volunteers: *id, name, </a:t>
+            </a:r>
+            <a:r>
+              <a:rPr lang="en-GB" sz="1300" dirty="0" err="1"/>
+              <a:t>contact_number</a:t>
+            </a:r>
+            <a:r>
+              <a:rPr lang="en-GB" sz="1300" dirty="0"/>
+              <a:t>, role.</a:t>
+            </a:r>
+          </a:p>
+          <a:p>
+            <a:pPr>
+              <a:lnSpc>
+                <a:spcPct val="110000"/>
+              </a:lnSpc>
+            </a:pPr>
+            <a:r>
+              <a:rPr lang="en-GB" sz="1300" dirty="0" err="1"/>
+              <a:t>VolunteerShifts</a:t>
+            </a:r>
+            <a:r>
+              <a:rPr lang="en-GB" sz="1300" dirty="0"/>
+              <a:t>: *id, </a:t>
+            </a:r>
+            <a:r>
+              <a:rPr lang="en-GB" sz="1300" dirty="0" err="1"/>
+              <a:t>volunteer_id</a:t>
+            </a:r>
+            <a:r>
+              <a:rPr lang="en-GB" sz="1300" dirty="0"/>
+              <a:t>, </a:t>
+            </a:r>
+            <a:r>
+              <a:rPr lang="en-GB" sz="1300" dirty="0" err="1"/>
+              <a:t>zone_id</a:t>
+            </a:r>
+            <a:r>
+              <a:rPr lang="en-GB" sz="1300" dirty="0"/>
+              <a:t>, </a:t>
+            </a:r>
+            <a:r>
+              <a:rPr lang="en-GB" sz="1300" dirty="0" err="1"/>
+              <a:t>starts_at</a:t>
+            </a:r>
+            <a:r>
+              <a:rPr lang="en-GB" sz="1300" dirty="0"/>
+              <a:t>, </a:t>
+            </a:r>
+            <a:r>
+              <a:rPr lang="en-GB" sz="1300" dirty="0" err="1"/>
+              <a:t>ends_at</a:t>
+            </a:r>
+            <a:r>
+              <a:rPr lang="en-GB" sz="1300" dirty="0"/>
+              <a:t>.</a:t>
+            </a:r>
+          </a:p>
+          <a:p>
+            <a:pPr>
+              <a:lnSpc>
+                <a:spcPct val="110000"/>
+              </a:lnSpc>
+            </a:pPr>
+            <a:r>
+              <a:rPr lang="en-GB" sz="1300" dirty="0"/>
+              <a:t>Partners: *id, name, </a:t>
+            </a:r>
+            <a:r>
+              <a:rPr lang="en-GB" sz="1300" dirty="0" err="1"/>
+              <a:t>contact_number</a:t>
+            </a:r>
+            <a:r>
+              <a:rPr lang="en-GB" sz="1300" dirty="0"/>
+              <a:t>.</a:t>
+            </a:r>
+          </a:p>
+          <a:p>
+            <a:pPr>
+              <a:lnSpc>
+                <a:spcPct val="110000"/>
+              </a:lnSpc>
+            </a:pPr>
+            <a:r>
+              <a:rPr lang="en-GB" sz="1300" dirty="0"/>
+              <a:t>Zones: *id, name, type, location.</a:t>
+            </a:r>
+            <a:endParaRPr lang="uk-UA" sz="1300" dirty="0"/>
+          </a:p>
+          <a:p>
+            <a:pPr>
+              <a:lnSpc>
+                <a:spcPct val="110000"/>
+              </a:lnSpc>
+            </a:pPr>
+            <a:r>
+              <a:rPr lang="en-GB" sz="1300" dirty="0" err="1"/>
+              <a:t>ActivationZones</a:t>
+            </a:r>
+            <a:r>
+              <a:rPr lang="en-GB" sz="1300" dirty="0"/>
+              <a:t>: *id, </a:t>
+            </a:r>
+            <a:r>
+              <a:rPr lang="en-GB" sz="1300" dirty="0" err="1"/>
+              <a:t>partner_id</a:t>
+            </a:r>
+            <a:r>
+              <a:rPr lang="en-GB" sz="1300" dirty="0"/>
+              <a:t>, </a:t>
+            </a:r>
+            <a:r>
+              <a:rPr lang="en-GB" sz="1300" dirty="0" err="1"/>
+              <a:t>zone_id</a:t>
+            </a:r>
+            <a:r>
+              <a:rPr lang="en-GB" sz="1300" dirty="0"/>
+              <a:t>, </a:t>
+            </a:r>
+            <a:r>
+              <a:rPr lang="en-GB" sz="1300" dirty="0" err="1"/>
+              <a:t>required_power</a:t>
+            </a:r>
+            <a:r>
+              <a:rPr lang="en-GB" sz="1300" dirty="0"/>
+              <a:t>, notes.</a:t>
+            </a:r>
+          </a:p>
+          <a:p>
+            <a:pPr>
+              <a:lnSpc>
+                <a:spcPct val="110000"/>
+              </a:lnSpc>
+            </a:pPr>
+            <a:r>
+              <a:rPr lang="en-GB" sz="1300" dirty="0" err="1"/>
+              <a:t>LogisticItems</a:t>
+            </a:r>
+            <a:r>
+              <a:rPr lang="en-GB" sz="1300" dirty="0"/>
+              <a:t>: *id, </a:t>
+            </a:r>
+            <a:r>
+              <a:rPr lang="en-GB" sz="1300" dirty="0" err="1"/>
+              <a:t>zone_id</a:t>
+            </a:r>
+            <a:r>
+              <a:rPr lang="en-GB" sz="1300" dirty="0"/>
+              <a:t>, name, quantity.</a:t>
+            </a:r>
+          </a:p>
+          <a:p>
+            <a:pPr>
+              <a:lnSpc>
+                <a:spcPct val="110000"/>
+              </a:lnSpc>
+            </a:pPr>
+            <a:r>
+              <a:rPr lang="en-GB" sz="1300" dirty="0"/>
+              <a:t>Tickets: *id, </a:t>
+            </a:r>
+            <a:r>
+              <a:rPr lang="en-GB" sz="1300" dirty="0" err="1"/>
+              <a:t>qr_code</a:t>
+            </a:r>
+            <a:r>
+              <a:rPr lang="en-GB" sz="1300" dirty="0"/>
+              <a:t>, type, </a:t>
+            </a:r>
+            <a:r>
+              <a:rPr lang="en-GB" sz="1300" dirty="0" err="1"/>
+              <a:t>buyer_name</a:t>
+            </a:r>
+            <a:r>
+              <a:rPr lang="en-GB" sz="1300" dirty="0"/>
+              <a:t>, </a:t>
+            </a:r>
+            <a:r>
+              <a:rPr lang="en-GB" sz="1300" dirty="0" err="1"/>
+              <a:t>contact_number</a:t>
+            </a:r>
+            <a:r>
+              <a:rPr lang="en-GB" sz="1300" dirty="0"/>
+              <a:t>, </a:t>
+            </a:r>
+            <a:r>
+              <a:rPr lang="en-GB" sz="1300" dirty="0" err="1"/>
+              <a:t>entrance_date</a:t>
+            </a:r>
+            <a:r>
+              <a:rPr lang="en-GB" sz="1300" dirty="0"/>
+              <a:t>, status.</a:t>
+            </a:r>
+          </a:p>
+          <a:p>
+            <a:pPr>
+              <a:lnSpc>
+                <a:spcPct val="110000"/>
+              </a:lnSpc>
+            </a:pPr>
+            <a:r>
+              <a:rPr lang="en-GB" sz="1300" dirty="0"/>
+              <a:t>Incidents: *id, </a:t>
+            </a:r>
+            <a:r>
+              <a:rPr lang="en-GB" sz="1300" dirty="0" err="1"/>
+              <a:t>zone_id</a:t>
+            </a:r>
+            <a:r>
+              <a:rPr lang="en-GB" sz="1300" dirty="0"/>
+              <a:t>, </a:t>
+            </a:r>
+            <a:r>
+              <a:rPr lang="en-GB" sz="1300" dirty="0" err="1"/>
+              <a:t>ticket_id</a:t>
+            </a:r>
+            <a:r>
+              <a:rPr lang="en-GB" sz="1300" dirty="0"/>
+              <a:t>, type, description, </a:t>
+            </a:r>
+            <a:r>
+              <a:rPr lang="en-GB" sz="1300" dirty="0" err="1"/>
+              <a:t>happened_at</a:t>
+            </a:r>
+            <a:r>
+              <a:rPr lang="en-GB" sz="1300" dirty="0"/>
+              <a:t>.</a:t>
+            </a:r>
+          </a:p>
+          <a:p>
+            <a:pPr>
+              <a:lnSpc>
+                <a:spcPct val="110000"/>
+              </a:lnSpc>
+            </a:pPr>
+            <a:r>
+              <a:rPr lang="en-GB" sz="1300" dirty="0" err="1"/>
+              <a:t>DailyReports</a:t>
+            </a:r>
+            <a:r>
+              <a:rPr lang="en-GB" sz="1300" dirty="0"/>
+              <a:t>: *id, date, summary, contents.</a:t>
+            </a:r>
+          </a:p>
+          <a:p>
+            <a:pPr>
+              <a:lnSpc>
+                <a:spcPct val="110000"/>
+              </a:lnSpc>
+            </a:pPr>
+            <a:endParaRPr lang="uk-UA" sz="1300" dirty="0"/>
+          </a:p>
+        </p:txBody>
+      </p:sp>
+      <p:cxnSp>
+        <p:nvCxnSpPr>
+          <p:cNvPr id="10" name="Straight Connector 9">
+            <a:extLst>
+              <a:ext uri="{FF2B5EF4-FFF2-40B4-BE49-F238E27FC236}">
+                <a16:creationId xmlns:a16="http://schemas.microsoft.com/office/drawing/2014/main" id="{10694E1F-471C-4340-BE4B-28F2BF7D7A91}"/>
+              </a:ext>
+              <a:ext uri="{C183D7F6-B498-43B3-948B-1728B52AA6E4}">
+                <adec:decorative xmlns:adec="http://schemas.microsoft.com/office/drawing/2017/decorative" val="1"/>
+              </a:ext>
+            </a:extLst>
+          </p:cNvPr>
+          <p:cNvCxnSpPr>
+            <a:cxnSpLocks noGrp="1" noRot="1" noChangeAspect="1" noMove="1" noResize="1" noEditPoints="1" noAdjustHandles="1" noChangeArrowheads="1" noChangeShapeType="1"/>
+          </p:cNvCxnSpPr>
+          <p:nvPr>
+            <p:extLst>
+              <p:ext uri="{386F3935-93C4-4BCD-93E2-E3B085C9AB24}">
+                <p16:designElem xmlns:p16="http://schemas.microsoft.com/office/powerpoint/2015/main" val="1"/>
+              </p:ext>
+            </p:extLst>
+          </p:nvPr>
+        </p:nvCxnSpPr>
+        <p:spPr>
+          <a:xfrm>
+            <a:off x="713232" y="6272784"/>
+            <a:ext cx="978862" cy="0"/>
+          </a:xfrm>
+          <a:prstGeom prst="line">
+            <a:avLst/>
+          </a:prstGeom>
+          <a:ln w="76200"/>
+        </p:spPr>
+        <p:style>
+          <a:lnRef idx="1">
+            <a:schemeClr val="accent1"/>
+          </a:lnRef>
+          <a:fillRef idx="0">
+            <a:schemeClr val="accent1"/>
+          </a:fillRef>
+          <a:effectRef idx="0">
+            <a:schemeClr val="accent1"/>
+          </a:effectRef>
+          <a:fontRef idx="minor">
+            <a:schemeClr val="tx1"/>
+          </a:fontRef>
+        </p:style>
+      </p:cxnSp>
+    </p:spTree>
+    <p:extLst>
+      <p:ext uri="{BB962C8B-B14F-4D97-AF65-F5344CB8AC3E}">
+        <p14:creationId xmlns:p14="http://schemas.microsoft.com/office/powerpoint/2010/main" val="876317584"/>
+      </p:ext>
+    </p:extLst>
+  </p:cSld>
+  <p:clrMapOvr>
+    <a:masterClrMapping/>
+  </p:clrMapOvr>
+</p:sld>
+</file>
+
+<file path=ppt/slides/slide4.xml><?xml version="1.0" encoding="utf-8"?>
+<p:sld xmlns:a="http://schemas.openxmlformats.org/drawingml/2006/main" xmlns:r="http://schemas.openxmlformats.org/officeDocument/2006/relationships" xmlns:p="http://schemas.openxmlformats.org/presentationml/2006/main">
+  <p:cSld>
+    <p:bg>
+      <p:bgPr>
+        <a:solidFill>
+          <a:schemeClr val="bg1"/>
+        </a:solidFill>
+        <a:effectLst/>
+      </p:bgPr>
+    </p:bg>
+    <p:spTree>
+      <p:nvGrpSpPr>
+        <p:cNvPr id="1" name=""/>
+        <p:cNvGrpSpPr/>
+        <p:nvPr/>
+      </p:nvGrpSpPr>
+      <p:grpSpPr>
+        <a:xfrm>
+          <a:off x="0" y="0"/>
+          <a:ext cx="0" cy="0"/>
+          <a:chOff x="0" y="0"/>
+          <a:chExt cx="0" cy="0"/>
+        </a:xfrm>
+      </p:grpSpPr>
+      <p:cxnSp>
+        <p:nvCxnSpPr>
+          <p:cNvPr id="16" name="Straight Connector 9">
+            <a:extLst>
+              <a:ext uri="{FF2B5EF4-FFF2-40B4-BE49-F238E27FC236}">
+                <a16:creationId xmlns:a16="http://schemas.microsoft.com/office/drawing/2014/main" id="{118E06E4-607B-144B-382B-AD3D06B1EE8C}"/>
+              </a:ext>
+              <a:ext uri="{C183D7F6-B498-43B3-948B-1728B52AA6E4}">
+                <adec:decorative xmlns:adec="http://schemas.microsoft.com/office/drawing/2017/decorative" val="1"/>
+              </a:ext>
+            </a:extLst>
+          </p:cNvPr>
+          <p:cNvCxnSpPr>
+            <a:cxnSpLocks noGrp="1" noRot="1" noChangeAspect="1" noMove="1" noResize="1" noEditPoints="1" noAdjustHandles="1" noChangeArrowheads="1" noChangeShapeType="1"/>
+          </p:cNvCxnSpPr>
+          <p:nvPr>
+            <p:extLst>
+              <p:ext uri="{386F3935-93C4-4BCD-93E2-E3B085C9AB24}">
+                <p16:designElem xmlns:p16="http://schemas.microsoft.com/office/powerpoint/2015/main" val="1"/>
+              </p:ext>
+            </p:extLst>
+          </p:nvPr>
+        </p:nvCxnSpPr>
+        <p:spPr>
+          <a:xfrm>
+            <a:off x="713232" y="1031001"/>
+            <a:ext cx="978862" cy="0"/>
+          </a:xfrm>
+          <a:prstGeom prst="line">
+            <a:avLst/>
+          </a:prstGeom>
+          <a:ln w="76200"/>
+        </p:spPr>
+        <p:style>
+          <a:lnRef idx="1">
+            <a:schemeClr val="accent1"/>
+          </a:lnRef>
+          <a:fillRef idx="0">
+            <a:schemeClr val="accent1"/>
+          </a:fillRef>
+          <a:effectRef idx="0">
+            <a:schemeClr val="accent1"/>
+          </a:effectRef>
+          <a:fontRef idx="minor">
+            <a:schemeClr val="tx1"/>
+          </a:fontRef>
+        </p:style>
+      </p:cxnSp>
+      <p:sp useBgFill="1">
+        <p:nvSpPr>
+          <p:cNvPr id="17" name="Rectangle 11">
+            <a:extLst>
+              <a:ext uri="{FF2B5EF4-FFF2-40B4-BE49-F238E27FC236}">
+                <a16:creationId xmlns:a16="http://schemas.microsoft.com/office/drawing/2014/main" id="{19F9BF86-FE94-4517-B97D-026C7515E589}"/>
+              </a:ext>
+              <a:ext uri="{C183D7F6-B498-43B3-948B-1728B52AA6E4}">
+                <adec:decorative xmlns:adec="http://schemas.microsoft.com/office/drawing/2017/decorative" val="1"/>
+              </a:ext>
+            </a:extLst>
+          </p:cNvPr>
+          <p:cNvSpPr>
+            <a:spLocks noGrp="1" noRot="1" noChangeAspect="1" noMove="1" noResize="1" noEditPoints="1" noAdjustHandles="1" noChangeArrowheads="1" noChangeShapeType="1" noTextEdit="1"/>
+          </p:cNvSpPr>
+          <p:nvPr>
+            <p:extLst>
+              <p:ext uri="{386F3935-93C4-4BCD-93E2-E3B085C9AB24}">
+                <p16:designElem xmlns:p16="http://schemas.microsoft.com/office/powerpoint/2015/main" val="1"/>
+              </p:ext>
+            </p:extLst>
+          </p:nvPr>
+        </p:nvSpPr>
+        <p:spPr>
+          <a:xfrm>
+            <a:off x="0" y="0"/>
+            <a:ext cx="12192000" cy="6858000"/>
+          </a:xfrm>
+          <a:prstGeom prst="rect">
+            <a:avLst/>
+          </a:prstGeom>
+          <a:ln w="12700" cap="flat" cmpd="sng" algn="ctr">
+            <a:noFill/>
+            <a:prstDash val="solid"/>
+            <a:miter lim="800000"/>
+          </a:ln>
+          <a:effectLst/>
+          <a:extLst>
+            <a:ext uri="{91240B29-F687-4F45-9708-019B960494DF}">
+              <a14:hiddenLine xmlns:a14="http://schemas.microsoft.com/office/drawing/2010/main" w="12700" cap="flat" cmpd="sng" algn="ctr">
+                <a:solidFill>
+                  <a:schemeClr val="accent1">
+                    <a:shade val="50000"/>
+                  </a:schemeClr>
+                </a:solidFill>
+                <a:prstDash val="solid"/>
+                <a:miter lim="800000"/>
+              </a14:hiddenLine>
+            </a:ext>
+          </a:extLst>
+        </p:spPr>
+        <p:style>
+          <a:lnRef idx="2">
+            <a:schemeClr val="accent1">
+              <a:shade val="50000"/>
+            </a:schemeClr>
+          </a:lnRef>
+          <a:fillRef idx="1">
+            <a:schemeClr val="accent1"/>
+          </a:fillRef>
+          <a:effectRef idx="0">
+            <a:schemeClr val="accent1"/>
+          </a:effectRef>
+          <a:fontRef idx="minor">
+            <a:schemeClr val="lt1"/>
+          </a:fontRef>
+        </p:style>
+        <p:txBody>
+          <a:bodyPr rtlCol="0" anchor="ctr"/>
+          <a:lstStyle/>
+          <a:p>
+            <a:pPr algn="ctr"/>
+            <a:endParaRPr lang="en-US"/>
+          </a:p>
+        </p:txBody>
+      </p:sp>
+      <p:sp>
+        <p:nvSpPr>
+          <p:cNvPr id="2" name="Заголовок 1">
+            <a:extLst>
+              <a:ext uri="{FF2B5EF4-FFF2-40B4-BE49-F238E27FC236}">
+                <a16:creationId xmlns:a16="http://schemas.microsoft.com/office/drawing/2014/main" id="{BAA9D172-B9DE-FD0C-B6DC-5A0A19E2D8AD}"/>
+              </a:ext>
+            </a:extLst>
+          </p:cNvPr>
+          <p:cNvSpPr>
+            <a:spLocks noGrp="1"/>
+          </p:cNvSpPr>
+          <p:nvPr>
+            <p:ph type="title"/>
+          </p:nvPr>
+        </p:nvSpPr>
+        <p:spPr>
+          <a:xfrm>
+            <a:off x="640080" y="1434438"/>
+            <a:ext cx="2983229" cy="2612976"/>
+          </a:xfrm>
+        </p:spPr>
+        <p:txBody>
+          <a:bodyPr vert="horz" lIns="91440" tIns="45720" rIns="91440" bIns="45720" rtlCol="0" anchor="t">
+            <a:normAutofit/>
+          </a:bodyPr>
+          <a:lstStyle/>
+          <a:p>
+            <a:r>
+              <a:rPr lang="en-US" sz="4400"/>
+              <a:t>Схема бази даних</a:t>
+            </a:r>
+          </a:p>
+        </p:txBody>
+      </p:sp>
+      <p:pic>
+        <p:nvPicPr>
+          <p:cNvPr id="5" name="Місце для вмісту 4">
+            <a:extLst>
+              <a:ext uri="{FF2B5EF4-FFF2-40B4-BE49-F238E27FC236}">
+                <a16:creationId xmlns:a16="http://schemas.microsoft.com/office/drawing/2014/main" id="{8F00DE0D-A0C0-7670-6577-3C36717C9BD8}"/>
+              </a:ext>
+            </a:extLst>
+          </p:cNvPr>
+          <p:cNvPicPr>
+            <a:picLocks noGrp="1" noChangeAspect="1"/>
+          </p:cNvPicPr>
+          <p:nvPr>
+            <p:ph idx="1"/>
+          </p:nvPr>
+        </p:nvPicPr>
+        <p:blipFill>
+          <a:blip r:embed="rId2">
+            <a:extLst>
+              <a:ext uri="{28A0092B-C50C-407E-A947-70E740481C1C}">
+                <a14:useLocalDpi xmlns:a14="http://schemas.microsoft.com/office/drawing/2010/main" val="0"/>
+              </a:ext>
+            </a:extLst>
+          </a:blip>
+          <a:stretch>
+            <a:fillRect/>
+          </a:stretch>
+        </p:blipFill>
+        <p:spPr>
+          <a:xfrm>
+            <a:off x="2966380" y="739118"/>
+            <a:ext cx="8512388" cy="5149999"/>
+          </a:xfrm>
+          <a:prstGeom prst="rect">
+            <a:avLst/>
+          </a:prstGeom>
+        </p:spPr>
+      </p:pic>
+      <p:cxnSp>
+        <p:nvCxnSpPr>
+          <p:cNvPr id="18" name="Straight Connector 13">
+            <a:extLst>
+              <a:ext uri="{FF2B5EF4-FFF2-40B4-BE49-F238E27FC236}">
+                <a16:creationId xmlns:a16="http://schemas.microsoft.com/office/drawing/2014/main" id="{426B4E86-32C4-273A-1ADF-6B44243549D7}"/>
+              </a:ext>
+              <a:ext uri="{C183D7F6-B498-43B3-948B-1728B52AA6E4}">
+                <adec:decorative xmlns:adec="http://schemas.microsoft.com/office/drawing/2017/decorative" val="1"/>
+              </a:ext>
+            </a:extLst>
+          </p:cNvPr>
+          <p:cNvCxnSpPr>
+            <a:cxnSpLocks noGrp="1" noRot="1" noChangeAspect="1" noMove="1" noResize="1" noEditPoints="1" noAdjustHandles="1" noChangeArrowheads="1" noChangeShapeType="1"/>
+          </p:cNvCxnSpPr>
+          <p:nvPr>
+            <p:extLst>
+              <p:ext uri="{386F3935-93C4-4BCD-93E2-E3B085C9AB24}">
+                <p16:designElem xmlns:p16="http://schemas.microsoft.com/office/powerpoint/2015/main" val="1"/>
+              </p:ext>
+            </p:extLst>
+          </p:nvPr>
+        </p:nvCxnSpPr>
+        <p:spPr>
+          <a:xfrm>
+            <a:off x="672253" y="6272784"/>
+            <a:ext cx="10847495" cy="0"/>
+          </a:xfrm>
+          <a:prstGeom prst="line">
+            <a:avLst/>
+          </a:prstGeom>
+          <a:ln w="76200"/>
+        </p:spPr>
+        <p:style>
+          <a:lnRef idx="1">
+            <a:schemeClr val="accent1"/>
+          </a:lnRef>
+          <a:fillRef idx="0">
+            <a:schemeClr val="accent1"/>
+          </a:fillRef>
+          <a:effectRef idx="0">
+            <a:schemeClr val="accent1"/>
+          </a:effectRef>
+          <a:fontRef idx="minor">
+            <a:schemeClr val="tx1"/>
+          </a:fontRef>
+        </p:style>
+      </p:cxnSp>
+    </p:spTree>
+    <p:extLst>
+      <p:ext uri="{BB962C8B-B14F-4D97-AF65-F5344CB8AC3E}">
+        <p14:creationId xmlns:p14="http://schemas.microsoft.com/office/powerpoint/2010/main" val="1873323386"/>
+      </p:ext>
+    </p:extLst>
+  </p:cSld>
+  <p:clrMapOvr>
+    <a:masterClrMapping/>
+  </p:clrMapOvr>
+</p:sld>
+</file>
+
+<file path=ppt/slides/slide5.xml><?xml version="1.0" encoding="utf-8"?>
+<p:sld xmlns:a="http://schemas.openxmlformats.org/drawingml/2006/main" xmlns:r="http://schemas.openxmlformats.org/officeDocument/2006/relationships" xmlns:p="http://schemas.openxmlformats.org/presentationml/2006/main">
+  <p:cSld>
+    <p:bg>
+      <p:bgPr>
+        <a:solidFill>
+          <a:schemeClr val="bg1"/>
+        </a:solidFill>
+        <a:effectLst/>
+      </p:bgPr>
+    </p:bg>
+    <p:spTree>
+      <p:nvGrpSpPr>
+        <p:cNvPr id="1" name=""/>
+        <p:cNvGrpSpPr/>
+        <p:nvPr/>
+      </p:nvGrpSpPr>
+      <p:grpSpPr>
+        <a:xfrm>
+          <a:off x="0" y="0"/>
+          <a:ext cx="0" cy="0"/>
+          <a:chOff x="0" y="0"/>
+          <a:chExt cx="0" cy="0"/>
+        </a:xfrm>
+      </p:grpSpPr>
+      <p:sp useBgFill="1">
+        <p:nvSpPr>
+          <p:cNvPr id="17" name="Rectangle 16">
+            <a:extLst>
+              <a:ext uri="{FF2B5EF4-FFF2-40B4-BE49-F238E27FC236}">
+                <a16:creationId xmlns:a16="http://schemas.microsoft.com/office/drawing/2014/main" id="{744CAA32-F237-419C-A2DD-43C28D920D3C}"/>
+              </a:ext>
+              <a:ext uri="{C183D7F6-B498-43B3-948B-1728B52AA6E4}">
+                <adec:decorative xmlns:adec="http://schemas.microsoft.com/office/drawing/2017/decorative" val="1"/>
+              </a:ext>
+            </a:extLst>
+          </p:cNvPr>
+          <p:cNvSpPr>
+            <a:spLocks noGrp="1" noRot="1" noChangeAspect="1" noMove="1" noResize="1" noEditPoints="1" noAdjustHandles="1" noChangeArrowheads="1" noChangeShapeType="1" noTextEdit="1"/>
+          </p:cNvSpPr>
+          <p:nvPr>
+            <p:extLst>
+              <p:ext uri="{386F3935-93C4-4BCD-93E2-E3B085C9AB24}">
+                <p16:designElem xmlns:p16="http://schemas.microsoft.com/office/powerpoint/2015/main" val="1"/>
+              </p:ext>
+            </p:extLst>
+          </p:nvPr>
+        </p:nvSpPr>
+        <p:spPr>
+          <a:xfrm>
+            <a:off x="0" y="0"/>
+            <a:ext cx="12192000" cy="6858000"/>
+          </a:xfrm>
+          <a:prstGeom prst="rect">
+            <a:avLst/>
+          </a:prstGeom>
+          <a:ln w="12700" cap="flat" cmpd="sng" algn="ctr">
+            <a:noFill/>
+            <a:prstDash val="solid"/>
+            <a:miter lim="800000"/>
+          </a:ln>
+          <a:effectLst/>
+          <a:extLst>
+            <a:ext uri="{91240B29-F687-4F45-9708-019B960494DF}">
+              <a14:hiddenLine xmlns:a14="http://schemas.microsoft.com/office/drawing/2010/main" w="12700" cap="flat" cmpd="sng" algn="ctr">
+                <a:solidFill>
+                  <a:schemeClr val="accent1">
+                    <a:shade val="50000"/>
+                  </a:schemeClr>
+                </a:solidFill>
+                <a:prstDash val="solid"/>
+                <a:miter lim="800000"/>
+              </a14:hiddenLine>
+            </a:ext>
+          </a:extLst>
+        </p:spPr>
+        <p:style>
+          <a:lnRef idx="2">
+            <a:schemeClr val="accent1">
+              <a:shade val="50000"/>
+            </a:schemeClr>
+          </a:lnRef>
+          <a:fillRef idx="1">
+            <a:schemeClr val="accent1"/>
+          </a:fillRef>
+          <a:effectRef idx="0">
+            <a:schemeClr val="accent1"/>
+          </a:effectRef>
+          <a:fontRef idx="minor">
+            <a:schemeClr val="lt1"/>
+          </a:fontRef>
+        </p:style>
+        <p:txBody>
+          <a:bodyPr rtlCol="0" anchor="ctr"/>
+          <a:lstStyle/>
+          <a:p>
+            <a:pPr algn="ctr"/>
+            <a:endParaRPr lang="en-US"/>
+          </a:p>
+        </p:txBody>
+      </p:sp>
+      <p:sp>
+        <p:nvSpPr>
+          <p:cNvPr id="2" name="Заголовок 1">
+            <a:extLst>
+              <a:ext uri="{FF2B5EF4-FFF2-40B4-BE49-F238E27FC236}">
+                <a16:creationId xmlns:a16="http://schemas.microsoft.com/office/drawing/2014/main" id="{720BA75A-965C-1B85-CE91-1C687990EFFE}"/>
+              </a:ext>
+            </a:extLst>
+          </p:cNvPr>
+          <p:cNvSpPr>
+            <a:spLocks noGrp="1"/>
+          </p:cNvSpPr>
+          <p:nvPr>
+            <p:ph type="title"/>
+          </p:nvPr>
+        </p:nvSpPr>
+        <p:spPr>
+          <a:xfrm>
+            <a:off x="640080" y="1371600"/>
+            <a:ext cx="5737859" cy="1097280"/>
+          </a:xfrm>
+        </p:spPr>
+        <p:txBody>
+          <a:bodyPr>
+            <a:normAutofit/>
+          </a:bodyPr>
+          <a:lstStyle/>
+          <a:p>
+            <a:r>
+              <a:rPr lang="uk-UA"/>
+              <a:t>Міграції</a:t>
+            </a:r>
+          </a:p>
+        </p:txBody>
+      </p:sp>
+      <p:cxnSp>
+        <p:nvCxnSpPr>
+          <p:cNvPr id="19" name="Straight Connector 18">
+            <a:extLst>
+              <a:ext uri="{FF2B5EF4-FFF2-40B4-BE49-F238E27FC236}">
+                <a16:creationId xmlns:a16="http://schemas.microsoft.com/office/drawing/2014/main" id="{753FE100-D0AB-4AE2-824B-60CFA31EC6A2}"/>
+              </a:ext>
+              <a:ext uri="{C183D7F6-B498-43B3-948B-1728B52AA6E4}">
+                <adec:decorative xmlns:adec="http://schemas.microsoft.com/office/drawing/2017/decorative" val="1"/>
+              </a:ext>
+            </a:extLst>
+          </p:cNvPr>
+          <p:cNvCxnSpPr>
+            <a:cxnSpLocks noGrp="1" noRot="1" noChangeAspect="1" noMove="1" noResize="1" noEditPoints="1" noAdjustHandles="1" noChangeArrowheads="1" noChangeShapeType="1"/>
+          </p:cNvCxnSpPr>
+          <p:nvPr>
+            <p:extLst>
+              <p:ext uri="{386F3935-93C4-4BCD-93E2-E3B085C9AB24}">
+                <p16:designElem xmlns:p16="http://schemas.microsoft.com/office/powerpoint/2015/main" val="1"/>
+              </p:ext>
+            </p:extLst>
+          </p:nvPr>
+        </p:nvCxnSpPr>
+        <p:spPr>
+          <a:xfrm>
+            <a:off x="713232" y="1031001"/>
+            <a:ext cx="978862" cy="0"/>
+          </a:xfrm>
+          <a:prstGeom prst="line">
+            <a:avLst/>
+          </a:prstGeom>
+          <a:ln w="76200"/>
+        </p:spPr>
+        <p:style>
+          <a:lnRef idx="1">
+            <a:schemeClr val="accent1"/>
+          </a:lnRef>
+          <a:fillRef idx="0">
+            <a:schemeClr val="accent1"/>
+          </a:fillRef>
+          <a:effectRef idx="0">
+            <a:schemeClr val="accent1"/>
+          </a:effectRef>
+          <a:fontRef idx="minor">
+            <a:schemeClr val="tx1"/>
+          </a:fontRef>
+        </p:style>
+      </p:cxnSp>
+      <p:sp>
+        <p:nvSpPr>
+          <p:cNvPr id="3" name="Місце для вмісту 2">
+            <a:extLst>
+              <a:ext uri="{FF2B5EF4-FFF2-40B4-BE49-F238E27FC236}">
+                <a16:creationId xmlns:a16="http://schemas.microsoft.com/office/drawing/2014/main" id="{6FD743F6-D779-7D39-AD76-B43C4680DC61}"/>
+              </a:ext>
+            </a:extLst>
+          </p:cNvPr>
+          <p:cNvSpPr>
+            <a:spLocks noGrp="1"/>
+          </p:cNvSpPr>
+          <p:nvPr>
+            <p:ph idx="1"/>
+          </p:nvPr>
+        </p:nvSpPr>
+        <p:spPr>
+          <a:xfrm>
+            <a:off x="640080" y="2633236"/>
+            <a:ext cx="4775200" cy="3666980"/>
+          </a:xfrm>
+        </p:spPr>
+        <p:txBody>
+          <a:bodyPr>
+            <a:normAutofit/>
+          </a:bodyPr>
+          <a:lstStyle/>
+          <a:p>
+            <a:pPr marL="0" indent="0">
+              <a:buNone/>
+            </a:pPr>
+            <a:r>
+              <a:rPr lang="uk-UA" dirty="0"/>
+              <a:t>Під кожну сутність було створено окрему міграцію.</a:t>
+            </a:r>
+          </a:p>
+          <a:p>
+            <a:pPr marL="0" indent="0">
+              <a:buNone/>
+            </a:pPr>
+            <a:endParaRPr lang="uk-UA" dirty="0"/>
+          </a:p>
+        </p:txBody>
+      </p:sp>
+      <p:pic>
+        <p:nvPicPr>
+          <p:cNvPr id="7" name="Рисунок 6" descr="Зображення, що містить текст, знімок екрана, програмне забезпечення, Мультимедійне програмне забезпечення&#10;&#10;Вміст на основі ШІ може бути неправильним.">
+            <a:extLst>
+              <a:ext uri="{FF2B5EF4-FFF2-40B4-BE49-F238E27FC236}">
+                <a16:creationId xmlns:a16="http://schemas.microsoft.com/office/drawing/2014/main" id="{83993444-BDDD-504C-95E3-4824CDF97B10}"/>
+              </a:ext>
+            </a:extLst>
+          </p:cNvPr>
+          <p:cNvPicPr>
+            <a:picLocks noChangeAspect="1"/>
+          </p:cNvPicPr>
+          <p:nvPr/>
+        </p:nvPicPr>
+        <p:blipFill>
+          <a:blip r:embed="rId2">
+            <a:extLst>
+              <a:ext uri="{28A0092B-C50C-407E-A947-70E740481C1C}">
+                <a14:useLocalDpi xmlns:a14="http://schemas.microsoft.com/office/drawing/2010/main" val="0"/>
+              </a:ext>
+            </a:extLst>
+          </a:blip>
+          <a:stretch>
+            <a:fillRect/>
+          </a:stretch>
+        </p:blipFill>
+        <p:spPr>
+          <a:xfrm>
+            <a:off x="5985547" y="1524000"/>
+            <a:ext cx="5545462" cy="4776216"/>
+          </a:xfrm>
+          <a:prstGeom prst="rect">
+            <a:avLst/>
+          </a:prstGeom>
+        </p:spPr>
+      </p:pic>
+    </p:spTree>
+    <p:extLst>
+      <p:ext uri="{BB962C8B-B14F-4D97-AF65-F5344CB8AC3E}">
+        <p14:creationId xmlns:p14="http://schemas.microsoft.com/office/powerpoint/2010/main" val="1099697037"/>
+      </p:ext>
+    </p:extLst>
+  </p:cSld>
+  <p:clrMapOvr>
+    <a:masterClrMapping/>
+  </p:clrMapOvr>
+</p:sld>
+</file>
+
+<file path=ppt/slides/slide6.xml><?xml version="1.0" encoding="utf-8"?>
+<p:sld xmlns:a="http://schemas.openxmlformats.org/drawingml/2006/main" xmlns:r="http://schemas.openxmlformats.org/officeDocument/2006/relationships" xmlns:p="http://schemas.openxmlformats.org/presentationml/2006/main">
+  <p:cSld>
+    <p:bg>
+      <p:bgPr>
+        <a:solidFill>
+          <a:schemeClr val="bg1"/>
+        </a:solidFill>
+        <a:effectLst/>
+      </p:bgPr>
+    </p:bg>
+    <p:spTree>
+      <p:nvGrpSpPr>
+        <p:cNvPr id="1" name=""/>
+        <p:cNvGrpSpPr/>
+        <p:nvPr/>
+      </p:nvGrpSpPr>
+      <p:grpSpPr>
+        <a:xfrm>
+          <a:off x="0" y="0"/>
+          <a:ext cx="0" cy="0"/>
+          <a:chOff x="0" y="0"/>
+          <a:chExt cx="0" cy="0"/>
+        </a:xfrm>
+      </p:grpSpPr>
+      <p:sp useBgFill="1">
+        <p:nvSpPr>
+          <p:cNvPr id="8" name="Rectangle 7">
+            <a:extLst>
+              <a:ext uri="{FF2B5EF4-FFF2-40B4-BE49-F238E27FC236}">
+                <a16:creationId xmlns:a16="http://schemas.microsoft.com/office/drawing/2014/main" id="{DBDA151C-5770-45E4-AAFF-59E7F403866D}"/>
+              </a:ext>
+              <a:ext uri="{C183D7F6-B498-43B3-948B-1728B52AA6E4}">
+                <adec:decorative xmlns:adec="http://schemas.microsoft.com/office/drawing/2017/decorative" val="1"/>
+              </a:ext>
+            </a:extLst>
+          </p:cNvPr>
+          <p:cNvSpPr>
+            <a:spLocks noGrp="1" noRot="1" noChangeAspect="1" noMove="1" noResize="1" noEditPoints="1" noAdjustHandles="1" noChangeArrowheads="1" noChangeShapeType="1" noTextEdit="1"/>
+          </p:cNvSpPr>
+          <p:nvPr>
+            <p:extLst>
+              <p:ext uri="{386F3935-93C4-4BCD-93E2-E3B085C9AB24}">
+                <p16:designElem xmlns:p16="http://schemas.microsoft.com/office/powerpoint/2015/main" val="1"/>
+              </p:ext>
+            </p:extLst>
+          </p:nvPr>
+        </p:nvSpPr>
+        <p:spPr>
+          <a:xfrm>
+            <a:off x="0" y="0"/>
+            <a:ext cx="12192000" cy="6858000"/>
+          </a:xfrm>
+          <a:prstGeom prst="rect">
+            <a:avLst/>
+          </a:prstGeom>
+          <a:ln w="12700" cap="flat" cmpd="sng" algn="ctr">
+            <a:noFill/>
+            <a:prstDash val="solid"/>
+            <a:miter lim="800000"/>
+          </a:ln>
+          <a:effectLst/>
+          <a:extLst>
+            <a:ext uri="{91240B29-F687-4F45-9708-019B960494DF}">
+              <a14:hiddenLine xmlns:a14="http://schemas.microsoft.com/office/drawing/2010/main" w="12700" cap="flat" cmpd="sng" algn="ctr">
+                <a:solidFill>
+                  <a:schemeClr val="accent1">
+                    <a:shade val="50000"/>
+                  </a:schemeClr>
+                </a:solidFill>
+                <a:prstDash val="solid"/>
+                <a:miter lim="800000"/>
+              </a14:hiddenLine>
+            </a:ext>
+          </a:extLst>
+        </p:spPr>
+        <p:style>
+          <a:lnRef idx="2">
+            <a:schemeClr val="accent1">
+              <a:shade val="50000"/>
+            </a:schemeClr>
+          </a:lnRef>
+          <a:fillRef idx="1">
+            <a:schemeClr val="accent1"/>
+          </a:fillRef>
+          <a:effectRef idx="0">
+            <a:schemeClr val="accent1"/>
+          </a:effectRef>
+          <a:fontRef idx="minor">
+            <a:schemeClr val="lt1"/>
+          </a:fontRef>
+        </p:style>
+        <p:txBody>
+          <a:bodyPr rtlCol="0" anchor="ctr"/>
+          <a:lstStyle/>
+          <a:p>
+            <a:pPr algn="ctr"/>
+            <a:endParaRPr lang="en-US"/>
+          </a:p>
+        </p:txBody>
+      </p:sp>
+      <p:sp>
+        <p:nvSpPr>
+          <p:cNvPr id="2" name="Заголовок 1">
+            <a:extLst>
+              <a:ext uri="{FF2B5EF4-FFF2-40B4-BE49-F238E27FC236}">
+                <a16:creationId xmlns:a16="http://schemas.microsoft.com/office/drawing/2014/main" id="{ABD57CDB-2663-8D65-40F3-4A01DDDFFD3A}"/>
+              </a:ext>
+            </a:extLst>
+          </p:cNvPr>
+          <p:cNvSpPr>
+            <a:spLocks noGrp="1"/>
+          </p:cNvSpPr>
+          <p:nvPr>
+            <p:ph type="title"/>
+          </p:nvPr>
+        </p:nvSpPr>
+        <p:spPr>
+          <a:xfrm>
+            <a:off x="640080" y="570750"/>
+            <a:ext cx="10890929" cy="1387934"/>
+          </a:xfrm>
+        </p:spPr>
+        <p:txBody>
+          <a:bodyPr anchor="b">
+            <a:normAutofit/>
+          </a:bodyPr>
+          <a:lstStyle/>
+          <a:p>
+            <a:r>
+              <a:rPr lang="en-US" dirty="0"/>
+              <a:t>LINQ </a:t>
+            </a:r>
+            <a:r>
+              <a:rPr lang="uk-UA" dirty="0"/>
+              <a:t>запити</a:t>
+            </a:r>
+          </a:p>
+        </p:txBody>
+      </p:sp>
+      <p:sp>
+        <p:nvSpPr>
+          <p:cNvPr id="3" name="Місце для вмісту 2">
+            <a:extLst>
+              <a:ext uri="{FF2B5EF4-FFF2-40B4-BE49-F238E27FC236}">
+                <a16:creationId xmlns:a16="http://schemas.microsoft.com/office/drawing/2014/main" id="{919310A3-0A6D-DA1D-CAD1-7F0DD2E7FB80}"/>
+              </a:ext>
+            </a:extLst>
+          </p:cNvPr>
+          <p:cNvSpPr>
+            <a:spLocks noGrp="1"/>
+          </p:cNvSpPr>
+          <p:nvPr>
+            <p:ph idx="1"/>
+          </p:nvPr>
+        </p:nvSpPr>
+        <p:spPr>
+          <a:xfrm>
+            <a:off x="640080" y="2761673"/>
+            <a:ext cx="10890929" cy="3536241"/>
+          </a:xfrm>
+        </p:spPr>
+        <p:txBody>
+          <a:bodyPr>
+            <a:normAutofit/>
+          </a:bodyPr>
+          <a:lstStyle/>
+          <a:p>
+            <a:pPr marL="0" indent="0">
+              <a:buNone/>
+            </a:pPr>
+            <a:r>
+              <a:rPr lang="uk-UA" dirty="0"/>
+              <a:t>Я написав 5 </a:t>
+            </a:r>
+            <a:r>
+              <a:rPr lang="en-US" dirty="0"/>
+              <a:t>LINQ </a:t>
+            </a:r>
+            <a:r>
+              <a:rPr lang="uk-UA" dirty="0"/>
+              <a:t>запитів з використанням методів:</a:t>
+            </a:r>
+          </a:p>
+          <a:p>
+            <a:r>
+              <a:rPr lang="en-US" dirty="0"/>
+              <a:t>Where</a:t>
+            </a:r>
+          </a:p>
+          <a:p>
+            <a:r>
+              <a:rPr lang="en-US" dirty="0" err="1"/>
+              <a:t>FirstOrDefault</a:t>
+            </a:r>
+            <a:endParaRPr lang="en-US" dirty="0"/>
+          </a:p>
+          <a:p>
+            <a:r>
+              <a:rPr lang="en-US" dirty="0"/>
+              <a:t>Include</a:t>
+            </a:r>
+          </a:p>
+          <a:p>
+            <a:r>
+              <a:rPr lang="en-US" dirty="0" err="1"/>
+              <a:t>OrderBy</a:t>
+            </a:r>
+            <a:endParaRPr lang="en-US" dirty="0"/>
+          </a:p>
+          <a:p>
+            <a:r>
+              <a:rPr lang="en-US" dirty="0"/>
+              <a:t>Average</a:t>
+            </a:r>
+            <a:endParaRPr lang="uk-UA" dirty="0"/>
+          </a:p>
+        </p:txBody>
+      </p:sp>
+      <p:cxnSp>
+        <p:nvCxnSpPr>
+          <p:cNvPr id="10" name="Straight Connector 9">
+            <a:extLst>
+              <a:ext uri="{FF2B5EF4-FFF2-40B4-BE49-F238E27FC236}">
+                <a16:creationId xmlns:a16="http://schemas.microsoft.com/office/drawing/2014/main" id="{E62D3963-2153-4637-96E6-E31BD2CE5D0D}"/>
+              </a:ext>
+              <a:ext uri="{C183D7F6-B498-43B3-948B-1728B52AA6E4}">
+                <adec:decorative xmlns:adec="http://schemas.microsoft.com/office/drawing/2017/decorative" val="1"/>
+              </a:ext>
+            </a:extLst>
+          </p:cNvPr>
+          <p:cNvCxnSpPr>
+            <a:cxnSpLocks noGrp="1" noRot="1" noChangeAspect="1" noMove="1" noResize="1" noEditPoints="1" noAdjustHandles="1" noChangeArrowheads="1" noChangeShapeType="1"/>
+          </p:cNvCxnSpPr>
+          <p:nvPr>
+            <p:extLst>
+              <p:ext uri="{386F3935-93C4-4BCD-93E2-E3B085C9AB24}">
+                <p16:designElem xmlns:p16="http://schemas.microsoft.com/office/powerpoint/2015/main" val="1"/>
+              </p:ext>
+            </p:extLst>
+          </p:nvPr>
+        </p:nvCxnSpPr>
+        <p:spPr>
+          <a:xfrm>
+            <a:off x="713232" y="2307479"/>
+            <a:ext cx="978862" cy="0"/>
+          </a:xfrm>
+          <a:prstGeom prst="line">
+            <a:avLst/>
+          </a:prstGeom>
+          <a:ln w="76200"/>
+        </p:spPr>
+        <p:style>
+          <a:lnRef idx="1">
+            <a:schemeClr val="accent1"/>
+          </a:lnRef>
+          <a:fillRef idx="0">
+            <a:schemeClr val="accent1"/>
+          </a:fillRef>
+          <a:effectRef idx="0">
+            <a:schemeClr val="accent1"/>
+          </a:effectRef>
+          <a:fontRef idx="minor">
+            <a:schemeClr val="tx1"/>
+          </a:fontRef>
+        </p:style>
+      </p:cxnSp>
+    </p:spTree>
+    <p:extLst>
+      <p:ext uri="{BB962C8B-B14F-4D97-AF65-F5344CB8AC3E}">
+        <p14:creationId xmlns:p14="http://schemas.microsoft.com/office/powerpoint/2010/main" val="1137752357"/>
+      </p:ext>
+    </p:extLst>
+  </p:cSld>
+  <p:clrMapOvr>
+    <a:masterClrMapping/>
+  </p:clrMapOvr>
+</p:sld>
+</file>
+
+<file path=ppt/slides/slide7.xml><?xml version="1.0" encoding="utf-8"?>
+<p:sld xmlns:a="http://schemas.openxmlformats.org/drawingml/2006/main" xmlns:r="http://schemas.openxmlformats.org/officeDocument/2006/relationships" xmlns:p="http://schemas.openxmlformats.org/presentationml/2006/main">
+  <p:cSld>
+    <p:spTree>
+      <p:nvGrpSpPr>
+        <p:cNvPr id="1" name=""/>
+        <p:cNvGrpSpPr/>
+        <p:nvPr/>
+      </p:nvGrpSpPr>
+      <p:grpSpPr>
+        <a:xfrm>
+          <a:off x="0" y="0"/>
+          <a:ext cx="0" cy="0"/>
+          <a:chOff x="0" y="0"/>
+          <a:chExt cx="0" cy="0"/>
+        </a:xfrm>
+      </p:grpSpPr>
+      <p:sp>
+        <p:nvSpPr>
+          <p:cNvPr id="2" name="Заголовок 1">
+            <a:extLst>
+              <a:ext uri="{FF2B5EF4-FFF2-40B4-BE49-F238E27FC236}">
+                <a16:creationId xmlns:a16="http://schemas.microsoft.com/office/drawing/2014/main" id="{7170E4A3-9181-C26F-4E1B-1EE9F7B416CF}"/>
+              </a:ext>
+            </a:extLst>
+          </p:cNvPr>
+          <p:cNvSpPr>
+            <a:spLocks noGrp="1"/>
+          </p:cNvSpPr>
+          <p:nvPr>
+            <p:ph type="title"/>
+          </p:nvPr>
+        </p:nvSpPr>
+        <p:spPr/>
+        <p:txBody>
+          <a:bodyPr/>
+          <a:lstStyle/>
+          <a:p>
+            <a:r>
+              <a:rPr lang="en-US" dirty="0"/>
+              <a:t>Where</a:t>
+            </a:r>
+            <a:endParaRPr lang="uk-UA" dirty="0"/>
+          </a:p>
+        </p:txBody>
+      </p:sp>
+      <p:pic>
+        <p:nvPicPr>
+          <p:cNvPr id="5" name="Місце для вмісту 4">
+            <a:extLst>
+              <a:ext uri="{FF2B5EF4-FFF2-40B4-BE49-F238E27FC236}">
+                <a16:creationId xmlns:a16="http://schemas.microsoft.com/office/drawing/2014/main" id="{4FC8F3AF-7B84-C0C8-413A-F9BE555C96B8}"/>
+              </a:ext>
+            </a:extLst>
+          </p:cNvPr>
+          <p:cNvPicPr>
+            <a:picLocks noGrp="1" noChangeAspect="1"/>
+          </p:cNvPicPr>
+          <p:nvPr>
+            <p:ph idx="1"/>
+          </p:nvPr>
+        </p:nvPicPr>
+        <p:blipFill>
+          <a:blip r:embed="rId2"/>
+          <a:stretch>
+            <a:fillRect/>
+          </a:stretch>
+        </p:blipFill>
+        <p:spPr>
+          <a:xfrm>
+            <a:off x="650081" y="2532608"/>
+            <a:ext cx="10891837" cy="1792783"/>
+          </a:xfrm>
+          <a:prstGeom prst="rect">
+            <a:avLst/>
+          </a:prstGeom>
+        </p:spPr>
+      </p:pic>
+      <p:pic>
+        <p:nvPicPr>
+          <p:cNvPr id="7" name="Рисунок 6">
+            <a:extLst>
+              <a:ext uri="{FF2B5EF4-FFF2-40B4-BE49-F238E27FC236}">
+                <a16:creationId xmlns:a16="http://schemas.microsoft.com/office/drawing/2014/main" id="{CAA26E73-B609-B522-A05A-FFBE39BCAFC6}"/>
+              </a:ext>
+            </a:extLst>
+          </p:cNvPr>
+          <p:cNvPicPr>
+            <a:picLocks noChangeAspect="1"/>
+          </p:cNvPicPr>
+          <p:nvPr/>
+        </p:nvPicPr>
+        <p:blipFill>
+          <a:blip r:embed="rId3"/>
+          <a:stretch>
+            <a:fillRect/>
+          </a:stretch>
+        </p:blipFill>
+        <p:spPr>
+          <a:xfrm>
+            <a:off x="650081" y="4743449"/>
+            <a:ext cx="6257925" cy="742950"/>
+          </a:xfrm>
+          <a:prstGeom prst="rect">
+            <a:avLst/>
+          </a:prstGeom>
+        </p:spPr>
+      </p:pic>
+    </p:spTree>
+    <p:extLst>
+      <p:ext uri="{BB962C8B-B14F-4D97-AF65-F5344CB8AC3E}">
+        <p14:creationId xmlns:p14="http://schemas.microsoft.com/office/powerpoint/2010/main" val="1351361862"/>
+      </p:ext>
+    </p:extLst>
+  </p:cSld>
+  <p:clrMapOvr>
+    <a:masterClrMapping/>
+  </p:clrMapOvr>
+</p:sld>
+</file>
+
+<file path=ppt/slides/slide8.xml><?xml version="1.0" encoding="utf-8"?>
+<p:sld xmlns:a="http://schemas.openxmlformats.org/drawingml/2006/main" xmlns:r="http://schemas.openxmlformats.org/officeDocument/2006/relationships" xmlns:p="http://schemas.openxmlformats.org/presentationml/2006/main">
+  <p:cSld>
+    <p:spTree>
+      <p:nvGrpSpPr>
+        <p:cNvPr id="1" name=""/>
+        <p:cNvGrpSpPr/>
+        <p:nvPr/>
+      </p:nvGrpSpPr>
+      <p:grpSpPr>
+        <a:xfrm>
+          <a:off x="0" y="0"/>
+          <a:ext cx="0" cy="0"/>
+          <a:chOff x="0" y="0"/>
+          <a:chExt cx="0" cy="0"/>
+        </a:xfrm>
+      </p:grpSpPr>
+      <p:sp>
+        <p:nvSpPr>
+          <p:cNvPr id="2" name="Заголовок 1">
+            <a:extLst>
+              <a:ext uri="{FF2B5EF4-FFF2-40B4-BE49-F238E27FC236}">
+                <a16:creationId xmlns:a16="http://schemas.microsoft.com/office/drawing/2014/main" id="{80196FFD-4DA2-D5A9-A4BB-0BD7D35B46EC}"/>
+              </a:ext>
+            </a:extLst>
+          </p:cNvPr>
+          <p:cNvSpPr>
+            <a:spLocks noGrp="1"/>
+          </p:cNvSpPr>
+          <p:nvPr>
+            <p:ph type="title"/>
+          </p:nvPr>
+        </p:nvSpPr>
+        <p:spPr/>
+        <p:txBody>
+          <a:bodyPr/>
+          <a:lstStyle/>
+          <a:p>
+            <a:r>
+              <a:rPr lang="en-US" dirty="0" err="1"/>
+              <a:t>FirstOrDefault</a:t>
+            </a:r>
+            <a:endParaRPr lang="uk-UA" dirty="0"/>
+          </a:p>
+        </p:txBody>
+      </p:sp>
+      <p:pic>
+        <p:nvPicPr>
+          <p:cNvPr id="5" name="Місце для вмісту 4">
+            <a:extLst>
+              <a:ext uri="{FF2B5EF4-FFF2-40B4-BE49-F238E27FC236}">
+                <a16:creationId xmlns:a16="http://schemas.microsoft.com/office/drawing/2014/main" id="{CD4A83A2-B56D-7701-7E49-BF12029C9111}"/>
+              </a:ext>
+            </a:extLst>
+          </p:cNvPr>
+          <p:cNvPicPr>
+            <a:picLocks noGrp="1" noChangeAspect="1"/>
+          </p:cNvPicPr>
+          <p:nvPr>
+            <p:ph idx="1"/>
+          </p:nvPr>
+        </p:nvPicPr>
+        <p:blipFill>
+          <a:blip r:embed="rId2"/>
+          <a:stretch>
+            <a:fillRect/>
+          </a:stretch>
+        </p:blipFill>
+        <p:spPr>
+          <a:xfrm>
+            <a:off x="640078" y="2225040"/>
+            <a:ext cx="10708641" cy="1944788"/>
+          </a:xfrm>
+          <a:prstGeom prst="rect">
+            <a:avLst/>
+          </a:prstGeom>
+        </p:spPr>
+      </p:pic>
+      <p:pic>
+        <p:nvPicPr>
+          <p:cNvPr id="7" name="Рисунок 6">
+            <a:extLst>
+              <a:ext uri="{FF2B5EF4-FFF2-40B4-BE49-F238E27FC236}">
+                <a16:creationId xmlns:a16="http://schemas.microsoft.com/office/drawing/2014/main" id="{52F83040-F2DC-6B51-7420-20D019B08C04}"/>
+              </a:ext>
+            </a:extLst>
+          </p:cNvPr>
+          <p:cNvPicPr>
+            <a:picLocks noChangeAspect="1"/>
+          </p:cNvPicPr>
+          <p:nvPr/>
+        </p:nvPicPr>
+        <p:blipFill>
+          <a:blip r:embed="rId3"/>
+          <a:stretch>
+            <a:fillRect/>
+          </a:stretch>
+        </p:blipFill>
+        <p:spPr>
+          <a:xfrm>
+            <a:off x="640078" y="4500562"/>
+            <a:ext cx="4565275" cy="731838"/>
+          </a:xfrm>
+          <a:prstGeom prst="rect">
+            <a:avLst/>
+          </a:prstGeom>
+        </p:spPr>
+      </p:pic>
+    </p:spTree>
+    <p:extLst>
+      <p:ext uri="{BB962C8B-B14F-4D97-AF65-F5344CB8AC3E}">
+        <p14:creationId xmlns:p14="http://schemas.microsoft.com/office/powerpoint/2010/main" val="3000247886"/>
+      </p:ext>
+    </p:extLst>
+  </p:cSld>
+  <p:clrMapOvr>
+    <a:masterClrMapping/>
+  </p:clrMapOvr>
+</p:sld>
+</file>
+
+<file path=ppt/slides/slide9.xml><?xml version="1.0" encoding="utf-8"?>
+<p:sld xmlns:a="http://schemas.openxmlformats.org/drawingml/2006/main" xmlns:r="http://schemas.openxmlformats.org/officeDocument/2006/relationships" xmlns:p="http://schemas.openxmlformats.org/presentationml/2006/main">
+  <p:cSld>
+    <p:spTree>
+      <p:nvGrpSpPr>
+        <p:cNvPr id="1" name=""/>
+        <p:cNvGrpSpPr/>
+        <p:nvPr/>
+      </p:nvGrpSpPr>
+      <p:grpSpPr>
+        <a:xfrm>
+          <a:off x="0" y="0"/>
+          <a:ext cx="0" cy="0"/>
+          <a:chOff x="0" y="0"/>
+          <a:chExt cx="0" cy="0"/>
+        </a:xfrm>
+      </p:grpSpPr>
+      <p:sp>
+        <p:nvSpPr>
+          <p:cNvPr id="2" name="Заголовок 1">
+            <a:extLst>
+              <a:ext uri="{FF2B5EF4-FFF2-40B4-BE49-F238E27FC236}">
+                <a16:creationId xmlns:a16="http://schemas.microsoft.com/office/drawing/2014/main" id="{E26A207B-4654-58A8-5626-ED999DC7CFE1}"/>
+              </a:ext>
+            </a:extLst>
+          </p:cNvPr>
+          <p:cNvSpPr>
+            <a:spLocks noGrp="1"/>
+          </p:cNvSpPr>
+          <p:nvPr>
+            <p:ph type="title"/>
+          </p:nvPr>
+        </p:nvSpPr>
+        <p:spPr/>
+        <p:txBody>
+          <a:bodyPr/>
+          <a:lstStyle/>
+          <a:p>
+            <a:r>
+              <a:rPr lang="en-US" dirty="0"/>
+              <a:t>Include</a:t>
+            </a:r>
+            <a:endParaRPr lang="uk-UA" dirty="0"/>
+          </a:p>
+        </p:txBody>
+      </p:sp>
+      <p:pic>
+        <p:nvPicPr>
+          <p:cNvPr id="5" name="Місце для вмісту 4">
+            <a:extLst>
+              <a:ext uri="{FF2B5EF4-FFF2-40B4-BE49-F238E27FC236}">
+                <a16:creationId xmlns:a16="http://schemas.microsoft.com/office/drawing/2014/main" id="{2FCD667A-FDE4-B7BF-835D-2D596517E1B4}"/>
+              </a:ext>
+            </a:extLst>
+          </p:cNvPr>
+          <p:cNvPicPr>
+            <a:picLocks noGrp="1" noChangeAspect="1"/>
+          </p:cNvPicPr>
+          <p:nvPr>
+            <p:ph idx="1"/>
+          </p:nvPr>
+        </p:nvPicPr>
+        <p:blipFill>
+          <a:blip r:embed="rId2"/>
+          <a:stretch>
+            <a:fillRect/>
+          </a:stretch>
+        </p:blipFill>
+        <p:spPr>
+          <a:xfrm>
+            <a:off x="660992" y="2302192"/>
+            <a:ext cx="10642344" cy="2086928"/>
+          </a:xfrm>
+          <a:prstGeom prst="rect">
+            <a:avLst/>
+          </a:prstGeom>
+        </p:spPr>
+      </p:pic>
+      <p:pic>
+        <p:nvPicPr>
+          <p:cNvPr id="7" name="Рисунок 6">
+            <a:extLst>
+              <a:ext uri="{FF2B5EF4-FFF2-40B4-BE49-F238E27FC236}">
+                <a16:creationId xmlns:a16="http://schemas.microsoft.com/office/drawing/2014/main" id="{FE09B53B-CC5F-462A-08BF-1F3A049A429E}"/>
+              </a:ext>
+            </a:extLst>
+          </p:cNvPr>
+          <p:cNvPicPr>
+            <a:picLocks noChangeAspect="1"/>
+          </p:cNvPicPr>
+          <p:nvPr/>
+        </p:nvPicPr>
+        <p:blipFill>
+          <a:blip r:embed="rId3"/>
+          <a:stretch>
+            <a:fillRect/>
+          </a:stretch>
+        </p:blipFill>
+        <p:spPr>
+          <a:xfrm>
+            <a:off x="660992" y="4648200"/>
+            <a:ext cx="5867400" cy="1828800"/>
+          </a:xfrm>
+          <a:prstGeom prst="rect">
+            <a:avLst/>
+          </a:prstGeom>
+        </p:spPr>
+      </p:pic>
+    </p:spTree>
+    <p:extLst>
+      <p:ext uri="{BB962C8B-B14F-4D97-AF65-F5344CB8AC3E}">
+        <p14:creationId xmlns:p14="http://schemas.microsoft.com/office/powerpoint/2010/main" val="2173625245"/>
       </p:ext>
     </p:extLst>
   </p:cSld>

--- a/C#/Lab2/Підсумки другої лабораторної роботи.pptx
+++ b/C#/Lab2/Підсумки другої лабораторної роботи.pptx
@@ -4734,8 +4734,13 @@
             </a:pPr>
             <a:r>
               <a:rPr lang="uk-UA" dirty="0"/>
-              <a:t>Мені попалась тема «Культурний центр міста». Замовником бази даних був координатор подій, який організовував фестивалі, квитки й учасників.</a:t>
-            </a:r>
+              <a:t>Мені попалась тема «Культурний центр міста». Замовником бази даних був координатор подій, який організовував фестивалі, квитки й </a:t>
+            </a:r>
+            <a:r>
+              <a:rPr lang="uk-UA"/>
+              <a:t>учасників.</a:t>
+            </a:r>
+            <a:endParaRPr lang="uk-UA" dirty="0"/>
           </a:p>
           <a:p>
             <a:pPr marL="0" indent="0">
@@ -4757,20 +4762,6 @@
             <a:r>
               <a:rPr lang="uk-UA" dirty="0"/>
               <a:t>Постійний хаос в роботі команди.</a:t>
-            </a:r>
-          </a:p>
-          <a:p>
-            <a:r>
-              <a:rPr lang="uk-UA" dirty="0"/>
-              <a:t>Неочікувані зміни в </a:t>
-            </a:r>
-            <a:r>
-              <a:rPr lang="uk-UA" dirty="0" err="1"/>
-              <a:t>райдерах</a:t>
-            </a:r>
-            <a:r>
-              <a:rPr lang="uk-UA" dirty="0"/>
-              <a:t> учасників.</a:t>
             </a:r>
           </a:p>
           <a:p>
@@ -4951,8 +4942,8 @@
         </p:nvSpPr>
         <p:spPr>
           <a:xfrm>
-            <a:off x="5148072" y="1051559"/>
-            <a:ext cx="6382937" cy="5248656"/>
+            <a:off x="4928191" y="762001"/>
+            <a:ext cx="6623729" cy="5812534"/>
           </a:xfrm>
         </p:spPr>
         <p:txBody>
@@ -4967,31 +4958,31 @@
               </a:lnSpc>
             </a:pPr>
             <a:r>
-              <a:rPr lang="en-GB" sz="1300" dirty="0"/>
+              <a:rPr lang="en-GB" sz="1400" dirty="0"/>
               <a:t>Participants: *id, name, transport, </a:t>
             </a:r>
             <a:r>
-              <a:rPr lang="en-GB" sz="1300" dirty="0" err="1"/>
+              <a:rPr lang="en-GB" sz="1400" dirty="0" err="1"/>
               <a:t>arrives_at</a:t>
             </a:r>
             <a:r>
-              <a:rPr lang="en-GB" sz="1300" dirty="0"/>
+              <a:rPr lang="en-GB" sz="1400" dirty="0"/>
               <a:t>, </a:t>
             </a:r>
             <a:r>
-              <a:rPr lang="en-GB" sz="1300" dirty="0" err="1"/>
+              <a:rPr lang="en-GB" sz="1400" dirty="0" err="1"/>
               <a:t>hand_color</a:t>
             </a:r>
             <a:r>
-              <a:rPr lang="en-GB" sz="1300" dirty="0"/>
+              <a:rPr lang="en-GB" sz="1400" dirty="0"/>
               <a:t>, </a:t>
             </a:r>
             <a:r>
-              <a:rPr lang="en-GB" sz="1300" dirty="0" err="1"/>
+              <a:rPr lang="en-GB" sz="1400" dirty="0" err="1"/>
               <a:t>contact_number</a:t>
             </a:r>
             <a:r>
-              <a:rPr lang="en-GB" sz="1300" dirty="0"/>
+              <a:rPr lang="en-GB" sz="1400" dirty="0"/>
               <a:t>, notes.</a:t>
             </a:r>
           </a:p>
@@ -5002,27 +4993,27 @@
               </a:lnSpc>
             </a:pPr>
             <a:r>
-              <a:rPr lang="en-GB" sz="1300" dirty="0" err="1"/>
+              <a:rPr lang="en-GB" sz="1400" dirty="0" err="1"/>
               <a:t>TeamMembers</a:t>
             </a:r>
             <a:r>
-              <a:rPr lang="en-GB" sz="1300" dirty="0"/>
+              <a:rPr lang="en-GB" sz="1400" dirty="0"/>
               <a:t>: *id, </a:t>
             </a:r>
             <a:r>
-              <a:rPr lang="en-GB" sz="1300" dirty="0" err="1"/>
+              <a:rPr lang="en-GB" sz="1400" dirty="0" err="1"/>
               <a:t>participant_id</a:t>
             </a:r>
             <a:r>
-              <a:rPr lang="en-GB" sz="1300" dirty="0"/>
+              <a:rPr lang="en-GB" sz="1400" dirty="0"/>
               <a:t>, name, role, </a:t>
             </a:r>
             <a:r>
-              <a:rPr lang="en-GB" sz="1300" dirty="0" err="1"/>
+              <a:rPr lang="en-GB" sz="1400" dirty="0" err="1"/>
               <a:t>contact_number</a:t>
             </a:r>
             <a:r>
-              <a:rPr lang="en-GB" sz="1300" dirty="0"/>
+              <a:rPr lang="en-GB" sz="1400" dirty="0"/>
               <a:t>.</a:t>
             </a:r>
           </a:p>
@@ -5033,31 +5024,31 @@
               </a:lnSpc>
             </a:pPr>
             <a:r>
-              <a:rPr lang="en-GB" sz="1300" dirty="0"/>
+              <a:rPr lang="en-GB" sz="1400" dirty="0"/>
               <a:t>Accreditations: *id, </a:t>
             </a:r>
             <a:r>
-              <a:rPr lang="en-GB" sz="1300" dirty="0" err="1"/>
+              <a:rPr lang="en-GB" sz="1400" dirty="0" err="1"/>
               <a:t>team_member_id</a:t>
             </a:r>
             <a:r>
-              <a:rPr lang="en-GB" sz="1300" dirty="0"/>
+              <a:rPr lang="en-GB" sz="1400" dirty="0"/>
               <a:t>, </a:t>
             </a:r>
             <a:r>
-              <a:rPr lang="en-GB" sz="1300" dirty="0" err="1"/>
+              <a:rPr lang="en-GB" sz="1400" dirty="0" err="1"/>
               <a:t>valid_from</a:t>
             </a:r>
             <a:r>
-              <a:rPr lang="en-GB" sz="1300" dirty="0"/>
+              <a:rPr lang="en-GB" sz="1400" dirty="0"/>
               <a:t>, </a:t>
             </a:r>
             <a:r>
-              <a:rPr lang="en-GB" sz="1300" dirty="0" err="1"/>
+              <a:rPr lang="en-GB" sz="1400" dirty="0" err="1"/>
               <a:t>valid_to</a:t>
             </a:r>
             <a:r>
-              <a:rPr lang="en-GB" sz="1300" dirty="0"/>
+              <a:rPr lang="en-GB" sz="1400" dirty="0"/>
               <a:t>.</a:t>
             </a:r>
           </a:p>
@@ -5068,7 +5059,7 @@
               </a:lnSpc>
             </a:pPr>
             <a:r>
-              <a:rPr lang="en-GB" sz="1300" dirty="0"/>
+              <a:rPr lang="en-GB" sz="1400" dirty="0"/>
               <a:t>Stages: *id, name, location, capacity.</a:t>
             </a:r>
           </a:p>
@@ -5079,39 +5070,39 @@
               </a:lnSpc>
             </a:pPr>
             <a:r>
-              <a:rPr lang="en-GB" sz="1300" dirty="0"/>
+              <a:rPr lang="en-GB" sz="1400" dirty="0"/>
               <a:t>Performances: *id, </a:t>
             </a:r>
             <a:r>
-              <a:rPr lang="en-GB" sz="1300" dirty="0" err="1"/>
+              <a:rPr lang="en-GB" sz="1400" dirty="0" err="1"/>
               <a:t>participant_id</a:t>
             </a:r>
             <a:r>
-              <a:rPr lang="en-GB" sz="1300" dirty="0"/>
+              <a:rPr lang="en-GB" sz="1400" dirty="0"/>
               <a:t>, </a:t>
             </a:r>
             <a:r>
-              <a:rPr lang="en-GB" sz="1300" dirty="0" err="1"/>
+              <a:rPr lang="en-GB" sz="1400" dirty="0" err="1"/>
               <a:t>stage_id</a:t>
             </a:r>
             <a:r>
-              <a:rPr lang="en-GB" sz="1300" dirty="0"/>
+              <a:rPr lang="en-GB" sz="1400" dirty="0"/>
               <a:t>, </a:t>
             </a:r>
             <a:r>
-              <a:rPr lang="en-GB" sz="1300" dirty="0" err="1"/>
+              <a:rPr lang="en-GB" sz="1400" dirty="0" err="1"/>
               <a:t>starts_at</a:t>
             </a:r>
             <a:r>
-              <a:rPr lang="en-GB" sz="1300" dirty="0"/>
+              <a:rPr lang="en-GB" sz="1400" dirty="0"/>
               <a:t>, </a:t>
             </a:r>
             <a:r>
-              <a:rPr lang="en-GB" sz="1300" dirty="0" err="1"/>
+              <a:rPr lang="en-GB" sz="1400" dirty="0" err="1"/>
               <a:t>ends_at</a:t>
             </a:r>
             <a:r>
-              <a:rPr lang="en-GB" sz="1300" dirty="0"/>
+              <a:rPr lang="en-GB" sz="1400" dirty="0"/>
               <a:t>.</a:t>
             </a:r>
           </a:p>
@@ -5122,35 +5113,35 @@
               </a:lnSpc>
             </a:pPr>
             <a:r>
-              <a:rPr lang="en-GB" sz="1300" dirty="0" err="1"/>
+              <a:rPr lang="en-GB" sz="1400" dirty="0" err="1"/>
               <a:t>TechnicalBreaks</a:t>
             </a:r>
             <a:r>
-              <a:rPr lang="en-GB" sz="1300" dirty="0"/>
+              <a:rPr lang="en-GB" sz="1400" dirty="0"/>
               <a:t>: *id, </a:t>
             </a:r>
             <a:r>
-              <a:rPr lang="en-GB" sz="1300" dirty="0" err="1"/>
+              <a:rPr lang="en-GB" sz="1400" dirty="0" err="1"/>
               <a:t>stage_id</a:t>
             </a:r>
             <a:r>
-              <a:rPr lang="en-GB" sz="1300" dirty="0"/>
+              <a:rPr lang="en-GB" sz="1400" dirty="0"/>
               <a:t>, </a:t>
             </a:r>
             <a:r>
-              <a:rPr lang="en-GB" sz="1300" dirty="0" err="1"/>
+              <a:rPr lang="en-GB" sz="1400" dirty="0" err="1"/>
               <a:t>starts_at</a:t>
             </a:r>
             <a:r>
-              <a:rPr lang="en-GB" sz="1300" dirty="0"/>
+              <a:rPr lang="en-GB" sz="1400" dirty="0"/>
               <a:t>, </a:t>
             </a:r>
             <a:r>
-              <a:rPr lang="en-GB" sz="1300" dirty="0" err="1"/>
+              <a:rPr lang="en-GB" sz="1400" dirty="0" err="1"/>
               <a:t>ends_at</a:t>
             </a:r>
             <a:r>
-              <a:rPr lang="en-GB" sz="1300" dirty="0"/>
+              <a:rPr lang="en-GB" sz="1400" dirty="0"/>
               <a:t>, notes.</a:t>
             </a:r>
           </a:p>
@@ -5161,15 +5152,15 @@
               </a:lnSpc>
             </a:pPr>
             <a:r>
-              <a:rPr lang="en-GB" sz="1300" dirty="0"/>
+              <a:rPr lang="en-GB" sz="1400" dirty="0"/>
               <a:t>Volunteers: *id, name, </a:t>
             </a:r>
             <a:r>
-              <a:rPr lang="en-GB" sz="1300" dirty="0" err="1"/>
+              <a:rPr lang="en-GB" sz="1400" dirty="0" err="1"/>
               <a:t>contact_number</a:t>
             </a:r>
             <a:r>
-              <a:rPr lang="en-GB" sz="1300" dirty="0"/>
+              <a:rPr lang="en-GB" sz="1400" dirty="0"/>
               <a:t>, role.</a:t>
             </a:r>
           </a:p>
@@ -5180,43 +5171,43 @@
               </a:lnSpc>
             </a:pPr>
             <a:r>
-              <a:rPr lang="en-GB" sz="1300" dirty="0" err="1"/>
+              <a:rPr lang="en-GB" sz="1400" dirty="0" err="1"/>
               <a:t>VolunteerShifts</a:t>
             </a:r>
             <a:r>
-              <a:rPr lang="en-GB" sz="1300" dirty="0"/>
+              <a:rPr lang="en-GB" sz="1400" dirty="0"/>
               <a:t>: *id, </a:t>
             </a:r>
             <a:r>
-              <a:rPr lang="en-GB" sz="1300" dirty="0" err="1"/>
+              <a:rPr lang="en-GB" sz="1400" dirty="0" err="1"/>
               <a:t>volunteer_id</a:t>
             </a:r>
             <a:r>
-              <a:rPr lang="en-GB" sz="1300" dirty="0"/>
+              <a:rPr lang="en-GB" sz="1400" dirty="0"/>
               <a:t>, </a:t>
             </a:r>
             <a:r>
-              <a:rPr lang="en-GB" sz="1300" dirty="0" err="1"/>
+              <a:rPr lang="en-GB" sz="1400" dirty="0" err="1"/>
               <a:t>zone_id</a:t>
             </a:r>
             <a:r>
-              <a:rPr lang="en-GB" sz="1300" dirty="0"/>
+              <a:rPr lang="en-GB" sz="1400" dirty="0"/>
               <a:t>, </a:t>
             </a:r>
             <a:r>
-              <a:rPr lang="en-GB" sz="1300" dirty="0" err="1"/>
+              <a:rPr lang="en-GB" sz="1400" dirty="0" err="1"/>
               <a:t>starts_at</a:t>
             </a:r>
             <a:r>
-              <a:rPr lang="en-GB" sz="1300" dirty="0"/>
+              <a:rPr lang="en-GB" sz="1400" dirty="0"/>
               <a:t>, </a:t>
             </a:r>
             <a:r>
-              <a:rPr lang="en-GB" sz="1300" dirty="0" err="1"/>
+              <a:rPr lang="en-GB" sz="1400" dirty="0" err="1"/>
               <a:t>ends_at</a:t>
             </a:r>
             <a:r>
-              <a:rPr lang="en-GB" sz="1300" dirty="0"/>
+              <a:rPr lang="en-GB" sz="1400" dirty="0"/>
               <a:t>.</a:t>
             </a:r>
           </a:p>
@@ -5227,15 +5218,15 @@
               </a:lnSpc>
             </a:pPr>
             <a:r>
-              <a:rPr lang="en-GB" sz="1300" dirty="0"/>
+              <a:rPr lang="en-GB" sz="1400" dirty="0"/>
               <a:t>Partners: *id, name, </a:t>
             </a:r>
             <a:r>
-              <a:rPr lang="en-GB" sz="1300" dirty="0" err="1"/>
+              <a:rPr lang="en-GB" sz="1400" dirty="0" err="1"/>
               <a:t>contact_number</a:t>
             </a:r>
             <a:r>
-              <a:rPr lang="en-GB" sz="1300" dirty="0"/>
+              <a:rPr lang="en-GB" sz="1400" dirty="0"/>
               <a:t>.</a:t>
             </a:r>
           </a:p>
@@ -5246,10 +5237,10 @@
               </a:lnSpc>
             </a:pPr>
             <a:r>
-              <a:rPr lang="en-GB" sz="1300" dirty="0"/>
+              <a:rPr lang="en-GB" sz="1400" dirty="0"/>
               <a:t>Zones: *id, name, type, location.</a:t>
             </a:r>
-            <a:endParaRPr lang="uk-UA" sz="1300" dirty="0"/>
+            <a:endParaRPr lang="uk-UA" sz="1400" dirty="0"/>
           </a:p>
           <a:p>
             <a:pPr>
@@ -5258,35 +5249,35 @@
               </a:lnSpc>
             </a:pPr>
             <a:r>
-              <a:rPr lang="en-GB" sz="1300" dirty="0" err="1"/>
+              <a:rPr lang="en-GB" sz="1400" dirty="0" err="1"/>
               <a:t>ActivationZones</a:t>
             </a:r>
             <a:r>
-              <a:rPr lang="en-GB" sz="1300" dirty="0"/>
+              <a:rPr lang="en-GB" sz="1400" dirty="0"/>
               <a:t>: *id, </a:t>
             </a:r>
             <a:r>
-              <a:rPr lang="en-GB" sz="1300" dirty="0" err="1"/>
+              <a:rPr lang="en-GB" sz="1400" dirty="0" err="1"/>
               <a:t>partner_id</a:t>
             </a:r>
             <a:r>
-              <a:rPr lang="en-GB" sz="1300" dirty="0"/>
+              <a:rPr lang="en-GB" sz="1400" dirty="0"/>
               <a:t>, </a:t>
             </a:r>
             <a:r>
-              <a:rPr lang="en-GB" sz="1300" dirty="0" err="1"/>
+              <a:rPr lang="en-GB" sz="1400" dirty="0" err="1"/>
               <a:t>zone_id</a:t>
             </a:r>
             <a:r>
-              <a:rPr lang="en-GB" sz="1300" dirty="0"/>
+              <a:rPr lang="en-GB" sz="1400" dirty="0"/>
               <a:t>, </a:t>
             </a:r>
             <a:r>
-              <a:rPr lang="en-GB" sz="1300" dirty="0" err="1"/>
+              <a:rPr lang="en-GB" sz="1400" dirty="0" err="1"/>
               <a:t>required_power</a:t>
             </a:r>
             <a:r>
-              <a:rPr lang="en-GB" sz="1300" dirty="0"/>
+              <a:rPr lang="en-GB" sz="1400" dirty="0"/>
               <a:t>, notes.</a:t>
             </a:r>
           </a:p>
@@ -5297,19 +5288,19 @@
               </a:lnSpc>
             </a:pPr>
             <a:r>
-              <a:rPr lang="en-GB" sz="1300" dirty="0" err="1"/>
+              <a:rPr lang="en-GB" sz="1400" dirty="0" err="1"/>
               <a:t>LogisticItems</a:t>
             </a:r>
             <a:r>
-              <a:rPr lang="en-GB" sz="1300" dirty="0"/>
+              <a:rPr lang="en-GB" sz="1400" dirty="0"/>
               <a:t>: *id, </a:t>
             </a:r>
             <a:r>
-              <a:rPr lang="en-GB" sz="1300" dirty="0" err="1"/>
+              <a:rPr lang="en-GB" sz="1400" dirty="0" err="1"/>
               <a:t>zone_id</a:t>
             </a:r>
             <a:r>
-              <a:rPr lang="en-GB" sz="1300" dirty="0"/>
+              <a:rPr lang="en-GB" sz="1400" dirty="0"/>
               <a:t>, name, quantity.</a:t>
             </a:r>
           </a:p>
@@ -5320,39 +5311,39 @@
               </a:lnSpc>
             </a:pPr>
             <a:r>
-              <a:rPr lang="en-GB" sz="1300" dirty="0"/>
+              <a:rPr lang="en-GB" sz="1400" dirty="0"/>
               <a:t>Tickets: *id, </a:t>
             </a:r>
             <a:r>
-              <a:rPr lang="en-GB" sz="1300" dirty="0" err="1"/>
+              <a:rPr lang="en-GB" sz="1400" dirty="0" err="1"/>
               <a:t>qr_code</a:t>
             </a:r>
             <a:r>
-              <a:rPr lang="en-GB" sz="1300" dirty="0"/>
+              <a:rPr lang="en-GB" sz="1400" dirty="0"/>
               <a:t>, type, </a:t>
             </a:r>
             <a:r>
-              <a:rPr lang="en-GB" sz="1300" dirty="0" err="1"/>
+              <a:rPr lang="en-GB" sz="1400" dirty="0" err="1"/>
               <a:t>buyer_name</a:t>
             </a:r>
             <a:r>
-              <a:rPr lang="en-GB" sz="1300" dirty="0"/>
+              <a:rPr lang="en-GB" sz="1400" dirty="0"/>
               <a:t>, </a:t>
             </a:r>
             <a:r>
-              <a:rPr lang="en-GB" sz="1300" dirty="0" err="1"/>
+              <a:rPr lang="en-GB" sz="1400" dirty="0" err="1"/>
               <a:t>contact_number</a:t>
             </a:r>
             <a:r>
-              <a:rPr lang="en-GB" sz="1300" dirty="0"/>
+              <a:rPr lang="en-GB" sz="1400" dirty="0"/>
               <a:t>, </a:t>
             </a:r>
             <a:r>
-              <a:rPr lang="en-GB" sz="1300" dirty="0" err="1"/>
+              <a:rPr lang="en-GB" sz="1400" dirty="0" err="1"/>
               <a:t>entrance_date</a:t>
             </a:r>
             <a:r>
-              <a:rPr lang="en-GB" sz="1300" dirty="0"/>
+              <a:rPr lang="en-GB" sz="1400" dirty="0"/>
               <a:t>, status.</a:t>
             </a:r>
           </a:p>
@@ -5363,31 +5354,31 @@
               </a:lnSpc>
             </a:pPr>
             <a:r>
-              <a:rPr lang="en-GB" sz="1300" dirty="0"/>
+              <a:rPr lang="en-GB" sz="1400" dirty="0"/>
               <a:t>Incidents: *id, </a:t>
             </a:r>
             <a:r>
-              <a:rPr lang="en-GB" sz="1300" dirty="0" err="1"/>
+              <a:rPr lang="en-GB" sz="1400" dirty="0" err="1"/>
               <a:t>zone_id</a:t>
             </a:r>
             <a:r>
-              <a:rPr lang="en-GB" sz="1300" dirty="0"/>
+              <a:rPr lang="en-GB" sz="1400" dirty="0"/>
               <a:t>, </a:t>
             </a:r>
             <a:r>
-              <a:rPr lang="en-GB" sz="1300" dirty="0" err="1"/>
+              <a:rPr lang="en-GB" sz="1400" dirty="0" err="1"/>
               <a:t>ticket_id</a:t>
             </a:r>
             <a:r>
-              <a:rPr lang="en-GB" sz="1300" dirty="0"/>
+              <a:rPr lang="en-GB" sz="1400" dirty="0"/>
               <a:t>, type, description, </a:t>
             </a:r>
             <a:r>
-              <a:rPr lang="en-GB" sz="1300" dirty="0" err="1"/>
+              <a:rPr lang="en-GB" sz="1400" dirty="0" err="1"/>
               <a:t>happened_at</a:t>
             </a:r>
             <a:r>
-              <a:rPr lang="en-GB" sz="1300" dirty="0"/>
+              <a:rPr lang="en-GB" sz="1400" dirty="0"/>
               <a:t>.</a:t>
             </a:r>
           </a:p>
@@ -5398,11 +5389,11 @@
               </a:lnSpc>
             </a:pPr>
             <a:r>
-              <a:rPr lang="en-GB" sz="1300" dirty="0" err="1"/>
+              <a:rPr lang="en-GB" sz="1400" dirty="0" err="1"/>
               <a:t>DailyReports</a:t>
             </a:r>
             <a:r>
-              <a:rPr lang="en-GB" sz="1300" dirty="0"/>
+              <a:rPr lang="en-GB" sz="1400" dirty="0"/>
               <a:t>: *id, date, summary, contents.</a:t>
             </a:r>
           </a:p>

--- a/C#/Lab2/Підсумки другої лабораторної роботи.pptx
+++ b/C#/Lab2/Підсумки другої лабораторної роботи.pptx
@@ -279,7 +279,7 @@
           <a:p>
             <a:fld id="{6444479B-705B-4489-957E-7E8A228BDFA0}" type="datetime1">
               <a:rPr lang="en-US" smtClean="0"/>
-              <a:t>11/17/2025</a:t>
+              <a:t>11/20/2025</a:t>
             </a:fld>
             <a:endParaRPr lang="en-US"/>
           </a:p>
@@ -479,7 +479,7 @@
           <a:p>
             <a:fld id="{C07B66AD-7C08-490A-ADA4-B47E10FB2407}" type="datetime1">
               <a:rPr lang="en-US" smtClean="0"/>
-              <a:t>11/17/2025</a:t>
+              <a:t>11/20/2025</a:t>
             </a:fld>
             <a:endParaRPr lang="en-US"/>
           </a:p>
@@ -738,7 +738,7 @@
           <a:p>
             <a:fld id="{05B95027-4255-49E7-9841-CD21BCC99996}" type="datetime1">
               <a:rPr lang="en-US" smtClean="0"/>
-              <a:t>11/17/2025</a:t>
+              <a:t>11/20/2025</a:t>
             </a:fld>
             <a:endParaRPr lang="en-US"/>
           </a:p>
@@ -979,7 +979,7 @@
           <a:p>
             <a:fld id="{9F89F774-3FA6-43B8-9241-99959C8FD463}" type="datetime1">
               <a:rPr lang="en-US" smtClean="0"/>
-              <a:t>11/17/2025</a:t>
+              <a:t>11/20/2025</a:t>
             </a:fld>
             <a:endParaRPr lang="en-US"/>
           </a:p>
@@ -1306,7 +1306,7 @@
           <a:p>
             <a:fld id="{F9504452-5DCC-4FE2-A5C9-8A5EF6714D65}" type="datetime1">
               <a:rPr lang="en-US" smtClean="0"/>
-              <a:t>11/17/2025</a:t>
+              <a:t>11/20/2025</a:t>
             </a:fld>
             <a:endParaRPr lang="en-US"/>
           </a:p>
@@ -1616,7 +1616,7 @@
           <a:p>
             <a:fld id="{E579ABC2-0180-4F3A-A895-A85BC724D472}" type="datetime1">
               <a:rPr lang="en-US" smtClean="0"/>
-              <a:t>11/17/2025</a:t>
+              <a:t>11/20/2025</a:t>
             </a:fld>
             <a:endParaRPr lang="en-US"/>
           </a:p>
@@ -2034,7 +2034,7 @@
           <a:p>
             <a:fld id="{6AEEA9BA-4E8F-439E-BEA4-91FBA01E3F5F}" type="datetime1">
               <a:rPr lang="en-US" smtClean="0"/>
-              <a:t>11/17/2025</a:t>
+              <a:t>11/20/2025</a:t>
             </a:fld>
             <a:endParaRPr lang="en-US"/>
           </a:p>
@@ -2176,7 +2176,7 @@
           <a:p>
             <a:fld id="{BE15BF18-0007-481C-AA29-413124BC3EE7}" type="datetime1">
               <a:rPr lang="en-US" smtClean="0"/>
-              <a:t>11/17/2025</a:t>
+              <a:t>11/20/2025</a:t>
             </a:fld>
             <a:endParaRPr lang="en-US"/>
           </a:p>
@@ -2338,7 +2338,7 @@
           <a:p>
             <a:fld id="{09BE9870-3748-43AD-B547-02A075CB4A1D}" type="datetime1">
               <a:rPr lang="en-US" smtClean="0"/>
-              <a:t>11/17/2025</a:t>
+              <a:t>11/20/2025</a:t>
             </a:fld>
             <a:endParaRPr lang="en-US"/>
           </a:p>
@@ -2655,7 +2655,7 @@
           <a:p>
             <a:fld id="{558E7897-33C5-4F1A-9307-D068E37F3DC7}" type="datetime1">
               <a:rPr lang="en-US" smtClean="0"/>
-              <a:t>11/17/2025</a:t>
+              <a:t>11/20/2025</a:t>
             </a:fld>
             <a:endParaRPr lang="en-US"/>
           </a:p>
@@ -2950,7 +2950,7 @@
           <a:p>
             <a:fld id="{82E171BA-CC09-47C8-A6DF-F5C5CB59CEEC}" type="datetime1">
               <a:rPr lang="en-US" smtClean="0"/>
-              <a:t>11/17/2025</a:t>
+              <a:t>11/20/2025</a:t>
             </a:fld>
             <a:endParaRPr lang="en-US"/>
           </a:p>
@@ -3191,7 +3191,7 @@
           <a:p>
             <a:fld id="{7DA38F49-B3E2-4BF0-BEC7-C30D34ABBB8D}" type="datetime1">
               <a:rPr lang="en-US" smtClean="0"/>
-              <a:t>11/17/2025</a:t>
+              <a:t>11/20/2025</a:t>
             </a:fld>
             <a:endParaRPr lang="en-US"/>
           </a:p>
@@ -4224,19 +4224,17 @@
       </p:sp>
       <p:pic>
         <p:nvPicPr>
-          <p:cNvPr id="5" name="Місце для вмісту 4">
-            <a:extLst>
-              <a:ext uri="{FF2B5EF4-FFF2-40B4-BE49-F238E27FC236}">
-                <a16:creationId xmlns:a16="http://schemas.microsoft.com/office/drawing/2014/main" id="{084D61EC-E49A-40FA-2368-4AAA71F60301}"/>
+          <p:cNvPr id="8" name="Рисунок 7">
+            <a:extLst>
+              <a:ext uri="{FF2B5EF4-FFF2-40B4-BE49-F238E27FC236}">
+                <a16:creationId xmlns:a16="http://schemas.microsoft.com/office/drawing/2014/main" id="{BEDE4D82-DBF0-F09D-E5DF-03B14290681F}"/>
               </a:ext>
             </a:extLst>
           </p:cNvPr>
           <p:cNvPicPr>
-            <a:picLocks noGrp="1" noChangeAspect="1"/>
+            <a:picLocks noChangeAspect="1"/>
           </p:cNvPicPr>
-          <p:nvPr>
-            <p:ph idx="1"/>
-          </p:nvPr>
+          <p:nvPr/>
         </p:nvPicPr>
         <p:blipFill>
           <a:blip r:embed="rId2"/>
@@ -4246,8 +4244,8 @@
         </p:blipFill>
         <p:spPr>
           <a:xfrm>
-            <a:off x="639171" y="2464560"/>
-            <a:ext cx="10891837" cy="1924560"/>
+            <a:off x="640078" y="2468880"/>
+            <a:ext cx="10569521" cy="2103119"/>
           </a:xfrm>
           <a:prstGeom prst="rect">
             <a:avLst/>
@@ -4256,10 +4254,10 @@
       </p:pic>
       <p:pic>
         <p:nvPicPr>
-          <p:cNvPr id="7" name="Рисунок 6">
-            <a:extLst>
-              <a:ext uri="{FF2B5EF4-FFF2-40B4-BE49-F238E27FC236}">
-                <a16:creationId xmlns:a16="http://schemas.microsoft.com/office/drawing/2014/main" id="{E2643D08-D5BA-3F56-CAEA-1285EFB9602A}"/>
+          <p:cNvPr id="10" name="Рисунок 9">
+            <a:extLst>
+              <a:ext uri="{FF2B5EF4-FFF2-40B4-BE49-F238E27FC236}">
+                <a16:creationId xmlns:a16="http://schemas.microsoft.com/office/drawing/2014/main" id="{718F6FB0-A0AE-2397-8B30-7EE0DEC442BE}"/>
               </a:ext>
             </a:extLst>
           </p:cNvPr>
@@ -4276,8 +4274,8 @@
         </p:blipFill>
         <p:spPr>
           <a:xfrm>
-            <a:off x="639171" y="4705985"/>
-            <a:ext cx="6648450" cy="1733550"/>
+            <a:off x="657225" y="4721224"/>
+            <a:ext cx="6550883" cy="1537335"/>
           </a:xfrm>
           <a:prstGeom prst="rect">
             <a:avLst/>
@@ -4345,19 +4343,17 @@
       </p:sp>
       <p:pic>
         <p:nvPicPr>
-          <p:cNvPr id="5" name="Місце для вмісту 4">
-            <a:extLst>
-              <a:ext uri="{FF2B5EF4-FFF2-40B4-BE49-F238E27FC236}">
-                <a16:creationId xmlns:a16="http://schemas.microsoft.com/office/drawing/2014/main" id="{0512A9D5-0EBE-EFFB-CABE-74D8DA36B0B9}"/>
+          <p:cNvPr id="8" name="Рисунок 7">
+            <a:extLst>
+              <a:ext uri="{FF2B5EF4-FFF2-40B4-BE49-F238E27FC236}">
+                <a16:creationId xmlns:a16="http://schemas.microsoft.com/office/drawing/2014/main" id="{068E1C6D-317E-892F-4ACE-5BCB42013D52}"/>
               </a:ext>
             </a:extLst>
           </p:cNvPr>
           <p:cNvPicPr>
-            <a:picLocks noGrp="1" noChangeAspect="1"/>
+            <a:picLocks noChangeAspect="1"/>
           </p:cNvPicPr>
-          <p:nvPr>
-            <p:ph idx="1"/>
-          </p:nvPr>
+          <p:nvPr/>
         </p:nvPicPr>
         <p:blipFill>
           <a:blip r:embed="rId2"/>
@@ -4367,8 +4363,8 @@
         </p:blipFill>
         <p:spPr>
           <a:xfrm>
-            <a:off x="660992" y="2468881"/>
-            <a:ext cx="9510670" cy="1523999"/>
+            <a:off x="640078" y="2468880"/>
+            <a:ext cx="9540401" cy="1818639"/>
           </a:xfrm>
           <a:prstGeom prst="rect">
             <a:avLst/>
@@ -4377,10 +4373,10 @@
       </p:pic>
       <p:pic>
         <p:nvPicPr>
-          <p:cNvPr id="7" name="Рисунок 6">
-            <a:extLst>
-              <a:ext uri="{FF2B5EF4-FFF2-40B4-BE49-F238E27FC236}">
-                <a16:creationId xmlns:a16="http://schemas.microsoft.com/office/drawing/2014/main" id="{A3FA167F-3FBC-114D-C70D-5E5E5080CB95}"/>
+          <p:cNvPr id="10" name="Рисунок 9">
+            <a:extLst>
+              <a:ext uri="{FF2B5EF4-FFF2-40B4-BE49-F238E27FC236}">
+                <a16:creationId xmlns:a16="http://schemas.microsoft.com/office/drawing/2014/main" id="{DE8CD3F4-E324-5868-C30D-BD75CAFEC18E}"/>
               </a:ext>
             </a:extLst>
           </p:cNvPr>
@@ -4397,8 +4393,8 @@
         </p:blipFill>
         <p:spPr>
           <a:xfrm>
-            <a:off x="640079" y="4333875"/>
-            <a:ext cx="5730241" cy="760958"/>
+            <a:off x="640077" y="4655185"/>
+            <a:ext cx="6167123" cy="696705"/>
           </a:xfrm>
           <a:prstGeom prst="rect">
             <a:avLst/>
@@ -4948,453 +4944,307 @@
         </p:spPr>
         <p:txBody>
           <a:bodyPr anchor="t">
-            <a:normAutofit/>
+            <a:normAutofit fontScale="85000" lnSpcReduction="10000"/>
           </a:bodyPr>
           <a:lstStyle/>
           <a:p>
-            <a:pPr>
-              <a:lnSpc>
-                <a:spcPct val="110000"/>
-              </a:lnSpc>
-            </a:pPr>
-            <a:r>
-              <a:rPr lang="en-GB" sz="1400" dirty="0"/>
-              <a:t>Participants: *id, name, transport, </a:t>
-            </a:r>
-            <a:r>
-              <a:rPr lang="en-GB" sz="1400" dirty="0" err="1"/>
+            <a:r>
+              <a:rPr lang="en-GB" dirty="0"/>
+              <a:t>Event: *id, </a:t>
+            </a:r>
+            <a:r>
+              <a:rPr lang="en-GB" dirty="0" err="1"/>
+              <a:t>administrator_id</a:t>
+            </a:r>
+            <a:r>
+              <a:rPr lang="en-GB" dirty="0"/>
+              <a:t>, title, date, description.</a:t>
+            </a:r>
+          </a:p>
+          <a:p>
+            <a:r>
+              <a:rPr lang="en-GB" dirty="0" err="1"/>
+              <a:t>EventBlock</a:t>
+            </a:r>
+            <a:r>
+              <a:rPr lang="en-GB" dirty="0"/>
+              <a:t>: *id, </a:t>
+            </a:r>
+            <a:r>
+              <a:rPr lang="en-GB" dirty="0" err="1"/>
+              <a:t>team_id</a:t>
+            </a:r>
+            <a:r>
+              <a:rPr lang="en-GB" dirty="0"/>
+              <a:t>, </a:t>
+            </a:r>
+            <a:r>
+              <a:rPr lang="en-GB" dirty="0" err="1"/>
+              <a:t>zone_activation_id</a:t>
+            </a:r>
+            <a:r>
+              <a:rPr lang="en-GB" dirty="0"/>
+              <a:t>, name, type, </a:t>
+            </a:r>
+            <a:r>
+              <a:rPr lang="en-GB" dirty="0" err="1"/>
+              <a:t>starts_at</a:t>
+            </a:r>
+            <a:r>
+              <a:rPr lang="en-GB" dirty="0"/>
+              <a:t>, </a:t>
+            </a:r>
+            <a:r>
+              <a:rPr lang="en-GB" dirty="0" err="1"/>
+              <a:t>ends_at</a:t>
+            </a:r>
+            <a:r>
+              <a:rPr lang="en-GB" dirty="0"/>
+              <a:t>.</a:t>
+            </a:r>
+          </a:p>
+          <a:p>
+            <a:r>
+              <a:rPr lang="en-GB" dirty="0"/>
+              <a:t>Team: *id, name, </a:t>
+            </a:r>
+            <a:r>
+              <a:rPr lang="en-GB" dirty="0" err="1"/>
+              <a:t>contact_number</a:t>
+            </a:r>
+            <a:r>
+              <a:rPr lang="en-GB" dirty="0"/>
+              <a:t>, transport, </a:t>
+            </a:r>
+            <a:r>
+              <a:rPr lang="en-GB" dirty="0" err="1"/>
               <a:t>arrives_at</a:t>
             </a:r>
             <a:r>
-              <a:rPr lang="en-GB" sz="1400" dirty="0"/>
+              <a:rPr lang="en-GB" dirty="0"/>
               <a:t>, </a:t>
             </a:r>
             <a:r>
-              <a:rPr lang="en-GB" sz="1400" dirty="0" err="1"/>
+              <a:rPr lang="en-GB" dirty="0" err="1"/>
               <a:t>hand_color</a:t>
             </a:r>
             <a:r>
-              <a:rPr lang="en-GB" sz="1400" dirty="0"/>
+              <a:rPr lang="en-GB" dirty="0"/>
+              <a:t>, notes.</a:t>
+            </a:r>
+          </a:p>
+          <a:p>
+            <a:r>
+              <a:rPr lang="en-GB" dirty="0"/>
+              <a:t>TeamMember: *id, </a:t>
+            </a:r>
+            <a:r>
+              <a:rPr lang="en-GB" dirty="0" err="1"/>
+              <a:t>team_id</a:t>
+            </a:r>
+            <a:r>
+              <a:rPr lang="en-GB" dirty="0"/>
               <a:t>, </a:t>
             </a:r>
             <a:r>
-              <a:rPr lang="en-GB" sz="1400" dirty="0" err="1"/>
+              <a:rPr lang="en-GB" dirty="0" err="1"/>
+              <a:t>ticket_id</a:t>
+            </a:r>
+            <a:r>
+              <a:rPr lang="en-GB" dirty="0"/>
+              <a:t>, role.  </a:t>
+            </a:r>
+          </a:p>
+          <a:p>
+            <a:r>
+              <a:rPr lang="en-GB" dirty="0"/>
+              <a:t>Ticket: *id, </a:t>
+            </a:r>
+            <a:r>
+              <a:rPr lang="en-GB" dirty="0" err="1"/>
+              <a:t>event_id</a:t>
+            </a:r>
+            <a:r>
+              <a:rPr lang="en-GB" dirty="0"/>
+              <a:t>, </a:t>
+            </a:r>
+            <a:r>
+              <a:rPr lang="en-GB" dirty="0" err="1"/>
+              <a:t>qr_code</a:t>
+            </a:r>
+            <a:r>
+              <a:rPr lang="en-GB" dirty="0"/>
+              <a:t>, </a:t>
+            </a:r>
+            <a:r>
+              <a:rPr lang="en-GB" dirty="0" err="1"/>
+              <a:t>buyer_name</a:t>
+            </a:r>
+            <a:r>
+              <a:rPr lang="en-GB" dirty="0"/>
+              <a:t>, </a:t>
+            </a:r>
+            <a:r>
+              <a:rPr lang="en-GB" dirty="0" err="1"/>
+              <a:t>buyer_contact_number</a:t>
+            </a:r>
+            <a:r>
+              <a:rPr lang="en-GB" dirty="0"/>
+              <a:t>.  </a:t>
+            </a:r>
+          </a:p>
+          <a:p>
+            <a:r>
+              <a:rPr lang="en-GB" dirty="0"/>
+              <a:t>Administrator: *id, name, </a:t>
+            </a:r>
+            <a:r>
+              <a:rPr lang="en-GB" dirty="0" err="1"/>
               <a:t>contact_number</a:t>
             </a:r>
             <a:r>
-              <a:rPr lang="en-GB" sz="1400" dirty="0"/>
+              <a:rPr lang="en-GB" dirty="0"/>
+              <a:t>.  </a:t>
+            </a:r>
+          </a:p>
+          <a:p>
+            <a:r>
+              <a:rPr lang="en-GB" dirty="0"/>
+              <a:t>Partner: *id, name, </a:t>
+            </a:r>
+            <a:r>
+              <a:rPr lang="en-GB" dirty="0" err="1"/>
+              <a:t>contact_number</a:t>
+            </a:r>
+            <a:r>
+              <a:rPr lang="en-GB" dirty="0"/>
+              <a:t>, description.</a:t>
+            </a:r>
+          </a:p>
+          <a:p>
+            <a:r>
+              <a:rPr lang="en-GB" dirty="0"/>
+              <a:t>Zone: *id, name, type, location.</a:t>
+            </a:r>
+          </a:p>
+          <a:p>
+            <a:r>
+              <a:rPr lang="en-GB" dirty="0" err="1"/>
+              <a:t>ZoneActivation</a:t>
+            </a:r>
+            <a:r>
+              <a:rPr lang="en-GB" dirty="0"/>
+              <a:t>: *id, </a:t>
+            </a:r>
+            <a:r>
+              <a:rPr lang="en-GB" dirty="0" err="1"/>
+              <a:t>partner_id</a:t>
+            </a:r>
+            <a:r>
+              <a:rPr lang="en-GB" dirty="0"/>
+              <a:t>, </a:t>
+            </a:r>
+            <a:r>
+              <a:rPr lang="en-GB" dirty="0" err="1"/>
+              <a:t>zone_id</a:t>
+            </a:r>
+            <a:r>
+              <a:rPr lang="en-GB" dirty="0"/>
+              <a:t>, </a:t>
+            </a:r>
+            <a:r>
+              <a:rPr lang="en-GB" dirty="0" err="1"/>
+              <a:t>event_id</a:t>
+            </a:r>
+            <a:r>
+              <a:rPr lang="en-GB" dirty="0"/>
               <a:t>, notes.</a:t>
             </a:r>
           </a:p>
           <a:p>
-            <a:pPr>
-              <a:lnSpc>
-                <a:spcPct val="110000"/>
-              </a:lnSpc>
-            </a:pPr>
-            <a:r>
-              <a:rPr lang="en-GB" sz="1400" dirty="0" err="1"/>
-              <a:t>TeamMembers</a:t>
-            </a:r>
-            <a:r>
-              <a:rPr lang="en-GB" sz="1400" dirty="0"/>
+            <a:r>
+              <a:rPr lang="en-GB" dirty="0"/>
+              <a:t>Worker: *id, name, </a:t>
+            </a:r>
+            <a:r>
+              <a:rPr lang="en-GB" dirty="0" err="1"/>
+              <a:t>contact_number</a:t>
+            </a:r>
+            <a:r>
+              <a:rPr lang="en-GB" dirty="0"/>
+              <a:t>, role, salary.</a:t>
+            </a:r>
+          </a:p>
+          <a:p>
+            <a:r>
+              <a:rPr lang="en-GB" dirty="0" err="1"/>
+              <a:t>WorkerShift</a:t>
+            </a:r>
+            <a:r>
+              <a:rPr lang="en-GB" dirty="0"/>
               <a:t>: *id, </a:t>
             </a:r>
             <a:r>
-              <a:rPr lang="en-GB" sz="1400" dirty="0" err="1"/>
-              <a:t>participant_id</a:t>
-            </a:r>
-            <a:r>
-              <a:rPr lang="en-GB" sz="1400" dirty="0"/>
-              <a:t>, name, role, </a:t>
-            </a:r>
-            <a:r>
-              <a:rPr lang="en-GB" sz="1400" dirty="0" err="1"/>
-              <a:t>contact_number</a:t>
-            </a:r>
-            <a:r>
-              <a:rPr lang="en-GB" sz="1400" dirty="0"/>
+              <a:rPr lang="en-GB" dirty="0" err="1"/>
+              <a:t>worker_id</a:t>
+            </a:r>
+            <a:r>
+              <a:rPr lang="en-GB" dirty="0"/>
+              <a:t>, </a:t>
+            </a:r>
+            <a:r>
+              <a:rPr lang="en-GB" dirty="0" err="1"/>
+              <a:t>zone_activation_id</a:t>
+            </a:r>
+            <a:r>
+              <a:rPr lang="en-GB" dirty="0"/>
+              <a:t>, </a:t>
+            </a:r>
+            <a:r>
+              <a:rPr lang="en-GB" dirty="0" err="1"/>
+              <a:t>starts_at</a:t>
+            </a:r>
+            <a:r>
+              <a:rPr lang="en-GB" dirty="0"/>
+              <a:t>, </a:t>
+            </a:r>
+            <a:r>
+              <a:rPr lang="en-GB" dirty="0" err="1"/>
+              <a:t>ends_at</a:t>
+            </a:r>
+            <a:r>
+              <a:rPr lang="en-GB" dirty="0"/>
               <a:t>.</a:t>
             </a:r>
           </a:p>
           <a:p>
-            <a:pPr>
-              <a:lnSpc>
-                <a:spcPct val="110000"/>
-              </a:lnSpc>
-            </a:pPr>
-            <a:r>
-              <a:rPr lang="en-GB" sz="1400" dirty="0"/>
-              <a:t>Accreditations: *id, </a:t>
-            </a:r>
-            <a:r>
-              <a:rPr lang="en-GB" sz="1400" dirty="0" err="1"/>
-              <a:t>team_member_id</a:t>
-            </a:r>
-            <a:r>
-              <a:rPr lang="en-GB" sz="1400" dirty="0"/>
+            <a:r>
+              <a:rPr lang="en-GB" dirty="0"/>
+              <a:t>Incident: *id, </a:t>
+            </a:r>
+            <a:r>
+              <a:rPr lang="en-GB" dirty="0" err="1"/>
+              <a:t>ticket_id</a:t>
+            </a:r>
+            <a:r>
+              <a:rPr lang="en-GB" dirty="0"/>
+              <a:t>, type, description, </a:t>
+            </a:r>
+            <a:r>
+              <a:rPr lang="en-GB" dirty="0" err="1"/>
+              <a:t>happened_at</a:t>
+            </a:r>
+            <a:r>
+              <a:rPr lang="en-GB" dirty="0"/>
               <a:t>, </a:t>
             </a:r>
             <a:r>
-              <a:rPr lang="en-GB" sz="1400" dirty="0" err="1"/>
-              <a:t>valid_from</a:t>
-            </a:r>
-            <a:r>
-              <a:rPr lang="en-GB" sz="1400" dirty="0"/>
-              <a:t>, </a:t>
-            </a:r>
-            <a:r>
-              <a:rPr lang="en-GB" sz="1400" dirty="0" err="1"/>
-              <a:t>valid_to</a:t>
-            </a:r>
-            <a:r>
-              <a:rPr lang="en-GB" sz="1400" dirty="0"/>
+              <a:rPr lang="en-GB" dirty="0" err="1"/>
+              <a:t>is_resolved</a:t>
+            </a:r>
+            <a:r>
+              <a:rPr lang="en-GB" dirty="0"/>
               <a:t>.</a:t>
-            </a:r>
-          </a:p>
-          <a:p>
-            <a:pPr>
-              <a:lnSpc>
-                <a:spcPct val="110000"/>
-              </a:lnSpc>
-            </a:pPr>
-            <a:r>
-              <a:rPr lang="en-GB" sz="1400" dirty="0"/>
-              <a:t>Stages: *id, name, location, capacity.</a:t>
-            </a:r>
-          </a:p>
-          <a:p>
-            <a:pPr>
-              <a:lnSpc>
-                <a:spcPct val="110000"/>
-              </a:lnSpc>
-            </a:pPr>
-            <a:r>
-              <a:rPr lang="en-GB" sz="1400" dirty="0"/>
-              <a:t>Performances: *id, </a:t>
-            </a:r>
-            <a:r>
-              <a:rPr lang="en-GB" sz="1400" dirty="0" err="1"/>
-              <a:t>participant_id</a:t>
-            </a:r>
-            <a:r>
-              <a:rPr lang="en-GB" sz="1400" dirty="0"/>
-              <a:t>, </a:t>
-            </a:r>
-            <a:r>
-              <a:rPr lang="en-GB" sz="1400" dirty="0" err="1"/>
-              <a:t>stage_id</a:t>
-            </a:r>
-            <a:r>
-              <a:rPr lang="en-GB" sz="1400" dirty="0"/>
-              <a:t>, </a:t>
-            </a:r>
-            <a:r>
-              <a:rPr lang="en-GB" sz="1400" dirty="0" err="1"/>
-              <a:t>starts_at</a:t>
-            </a:r>
-            <a:r>
-              <a:rPr lang="en-GB" sz="1400" dirty="0"/>
-              <a:t>, </a:t>
-            </a:r>
-            <a:r>
-              <a:rPr lang="en-GB" sz="1400" dirty="0" err="1"/>
-              <a:t>ends_at</a:t>
-            </a:r>
-            <a:r>
-              <a:rPr lang="en-GB" sz="1400" dirty="0"/>
-              <a:t>.</a:t>
-            </a:r>
-          </a:p>
-          <a:p>
-            <a:pPr>
-              <a:lnSpc>
-                <a:spcPct val="110000"/>
-              </a:lnSpc>
-            </a:pPr>
-            <a:r>
-              <a:rPr lang="en-GB" sz="1400" dirty="0" err="1"/>
-              <a:t>TechnicalBreaks</a:t>
-            </a:r>
-            <a:r>
-              <a:rPr lang="en-GB" sz="1400" dirty="0"/>
-              <a:t>: *id, </a:t>
-            </a:r>
-            <a:r>
-              <a:rPr lang="en-GB" sz="1400" dirty="0" err="1"/>
-              <a:t>stage_id</a:t>
-            </a:r>
-            <a:r>
-              <a:rPr lang="en-GB" sz="1400" dirty="0"/>
-              <a:t>, </a:t>
-            </a:r>
-            <a:r>
-              <a:rPr lang="en-GB" sz="1400" dirty="0" err="1"/>
-              <a:t>starts_at</a:t>
-            </a:r>
-            <a:r>
-              <a:rPr lang="en-GB" sz="1400" dirty="0"/>
-              <a:t>, </a:t>
-            </a:r>
-            <a:r>
-              <a:rPr lang="en-GB" sz="1400" dirty="0" err="1"/>
-              <a:t>ends_at</a:t>
-            </a:r>
-            <a:r>
-              <a:rPr lang="en-GB" sz="1400" dirty="0"/>
-              <a:t>, notes.</a:t>
-            </a:r>
-          </a:p>
-          <a:p>
-            <a:pPr>
-              <a:lnSpc>
-                <a:spcPct val="110000"/>
-              </a:lnSpc>
-            </a:pPr>
-            <a:r>
-              <a:rPr lang="en-GB" sz="1400" dirty="0"/>
-              <a:t>Volunteers: *id, name, </a:t>
-            </a:r>
-            <a:r>
-              <a:rPr lang="en-GB" sz="1400" dirty="0" err="1"/>
-              <a:t>contact_number</a:t>
-            </a:r>
-            <a:r>
-              <a:rPr lang="en-GB" sz="1400" dirty="0"/>
-              <a:t>, role.</a:t>
-            </a:r>
-          </a:p>
-          <a:p>
-            <a:pPr>
-              <a:lnSpc>
-                <a:spcPct val="110000"/>
-              </a:lnSpc>
-            </a:pPr>
-            <a:r>
-              <a:rPr lang="en-GB" sz="1400" dirty="0" err="1"/>
-              <a:t>VolunteerShifts</a:t>
-            </a:r>
-            <a:r>
-              <a:rPr lang="en-GB" sz="1400" dirty="0"/>
-              <a:t>: *id, </a:t>
-            </a:r>
-            <a:r>
-              <a:rPr lang="en-GB" sz="1400" dirty="0" err="1"/>
-              <a:t>volunteer_id</a:t>
-            </a:r>
-            <a:r>
-              <a:rPr lang="en-GB" sz="1400" dirty="0"/>
-              <a:t>, </a:t>
-            </a:r>
-            <a:r>
-              <a:rPr lang="en-GB" sz="1400" dirty="0" err="1"/>
-              <a:t>zone_id</a:t>
-            </a:r>
-            <a:r>
-              <a:rPr lang="en-GB" sz="1400" dirty="0"/>
-              <a:t>, </a:t>
-            </a:r>
-            <a:r>
-              <a:rPr lang="en-GB" sz="1400" dirty="0" err="1"/>
-              <a:t>starts_at</a:t>
-            </a:r>
-            <a:r>
-              <a:rPr lang="en-GB" sz="1400" dirty="0"/>
-              <a:t>, </a:t>
-            </a:r>
-            <a:r>
-              <a:rPr lang="en-GB" sz="1400" dirty="0" err="1"/>
-              <a:t>ends_at</a:t>
-            </a:r>
-            <a:r>
-              <a:rPr lang="en-GB" sz="1400" dirty="0"/>
-              <a:t>.</a:t>
-            </a:r>
-          </a:p>
-          <a:p>
-            <a:pPr>
-              <a:lnSpc>
-                <a:spcPct val="110000"/>
-              </a:lnSpc>
-            </a:pPr>
-            <a:r>
-              <a:rPr lang="en-GB" sz="1400" dirty="0"/>
-              <a:t>Partners: *id, name, </a:t>
-            </a:r>
-            <a:r>
-              <a:rPr lang="en-GB" sz="1400" dirty="0" err="1"/>
-              <a:t>contact_number</a:t>
-            </a:r>
-            <a:r>
-              <a:rPr lang="en-GB" sz="1400" dirty="0"/>
-              <a:t>.</a:t>
-            </a:r>
-          </a:p>
-          <a:p>
-            <a:pPr>
-              <a:lnSpc>
-                <a:spcPct val="110000"/>
-              </a:lnSpc>
-            </a:pPr>
-            <a:r>
-              <a:rPr lang="en-GB" sz="1400" dirty="0"/>
-              <a:t>Zones: *id, name, type, location.</a:t>
-            </a:r>
-            <a:endParaRPr lang="uk-UA" sz="1400" dirty="0"/>
-          </a:p>
-          <a:p>
-            <a:pPr>
-              <a:lnSpc>
-                <a:spcPct val="110000"/>
-              </a:lnSpc>
-            </a:pPr>
-            <a:r>
-              <a:rPr lang="en-GB" sz="1400" dirty="0" err="1"/>
-              <a:t>ActivationZones</a:t>
-            </a:r>
-            <a:r>
-              <a:rPr lang="en-GB" sz="1400" dirty="0"/>
-              <a:t>: *id, </a:t>
-            </a:r>
-            <a:r>
-              <a:rPr lang="en-GB" sz="1400" dirty="0" err="1"/>
-              <a:t>partner_id</a:t>
-            </a:r>
-            <a:r>
-              <a:rPr lang="en-GB" sz="1400" dirty="0"/>
-              <a:t>, </a:t>
-            </a:r>
-            <a:r>
-              <a:rPr lang="en-GB" sz="1400" dirty="0" err="1"/>
-              <a:t>zone_id</a:t>
-            </a:r>
-            <a:r>
-              <a:rPr lang="en-GB" sz="1400" dirty="0"/>
-              <a:t>, </a:t>
-            </a:r>
-            <a:r>
-              <a:rPr lang="en-GB" sz="1400" dirty="0" err="1"/>
-              <a:t>required_power</a:t>
-            </a:r>
-            <a:r>
-              <a:rPr lang="en-GB" sz="1400" dirty="0"/>
-              <a:t>, notes.</a:t>
-            </a:r>
-          </a:p>
-          <a:p>
-            <a:pPr>
-              <a:lnSpc>
-                <a:spcPct val="110000"/>
-              </a:lnSpc>
-            </a:pPr>
-            <a:r>
-              <a:rPr lang="en-GB" sz="1400" dirty="0" err="1"/>
-              <a:t>LogisticItems</a:t>
-            </a:r>
-            <a:r>
-              <a:rPr lang="en-GB" sz="1400" dirty="0"/>
-              <a:t>: *id, </a:t>
-            </a:r>
-            <a:r>
-              <a:rPr lang="en-GB" sz="1400" dirty="0" err="1"/>
-              <a:t>zone_id</a:t>
-            </a:r>
-            <a:r>
-              <a:rPr lang="en-GB" sz="1400" dirty="0"/>
-              <a:t>, name, quantity.</a:t>
-            </a:r>
-          </a:p>
-          <a:p>
-            <a:pPr>
-              <a:lnSpc>
-                <a:spcPct val="110000"/>
-              </a:lnSpc>
-            </a:pPr>
-            <a:r>
-              <a:rPr lang="en-GB" sz="1400" dirty="0"/>
-              <a:t>Tickets: *id, </a:t>
-            </a:r>
-            <a:r>
-              <a:rPr lang="en-GB" sz="1400" dirty="0" err="1"/>
-              <a:t>qr_code</a:t>
-            </a:r>
-            <a:r>
-              <a:rPr lang="en-GB" sz="1400" dirty="0"/>
-              <a:t>, type, </a:t>
-            </a:r>
-            <a:r>
-              <a:rPr lang="en-GB" sz="1400" dirty="0" err="1"/>
-              <a:t>buyer_name</a:t>
-            </a:r>
-            <a:r>
-              <a:rPr lang="en-GB" sz="1400" dirty="0"/>
-              <a:t>, </a:t>
-            </a:r>
-            <a:r>
-              <a:rPr lang="en-GB" sz="1400" dirty="0" err="1"/>
-              <a:t>contact_number</a:t>
-            </a:r>
-            <a:r>
-              <a:rPr lang="en-GB" sz="1400" dirty="0"/>
-              <a:t>, </a:t>
-            </a:r>
-            <a:r>
-              <a:rPr lang="en-GB" sz="1400" dirty="0" err="1"/>
-              <a:t>entrance_date</a:t>
-            </a:r>
-            <a:r>
-              <a:rPr lang="en-GB" sz="1400" dirty="0"/>
-              <a:t>, status.</a:t>
-            </a:r>
-          </a:p>
-          <a:p>
-            <a:pPr>
-              <a:lnSpc>
-                <a:spcPct val="110000"/>
-              </a:lnSpc>
-            </a:pPr>
-            <a:r>
-              <a:rPr lang="en-GB" sz="1400" dirty="0"/>
-              <a:t>Incidents: *id, </a:t>
-            </a:r>
-            <a:r>
-              <a:rPr lang="en-GB" sz="1400" dirty="0" err="1"/>
-              <a:t>zone_id</a:t>
-            </a:r>
-            <a:r>
-              <a:rPr lang="en-GB" sz="1400" dirty="0"/>
-              <a:t>, </a:t>
-            </a:r>
-            <a:r>
-              <a:rPr lang="en-GB" sz="1400" dirty="0" err="1"/>
-              <a:t>ticket_id</a:t>
-            </a:r>
-            <a:r>
-              <a:rPr lang="en-GB" sz="1400" dirty="0"/>
-              <a:t>, type, description, </a:t>
-            </a:r>
-            <a:r>
-              <a:rPr lang="en-GB" sz="1400" dirty="0" err="1"/>
-              <a:t>happened_at</a:t>
-            </a:r>
-            <a:r>
-              <a:rPr lang="en-GB" sz="1400" dirty="0"/>
-              <a:t>.</a:t>
-            </a:r>
-          </a:p>
-          <a:p>
-            <a:pPr>
-              <a:lnSpc>
-                <a:spcPct val="110000"/>
-              </a:lnSpc>
-            </a:pPr>
-            <a:r>
-              <a:rPr lang="en-GB" sz="1400" dirty="0" err="1"/>
-              <a:t>DailyReports</a:t>
-            </a:r>
-            <a:r>
-              <a:rPr lang="en-GB" sz="1400" dirty="0"/>
-              <a:t>: *id, date, summary, contents.</a:t>
             </a:r>
           </a:p>
           <a:p>
@@ -5636,7 +5486,7 @@
         <p:spPr>
           <a:xfrm>
             <a:off x="640080" y="1434438"/>
-            <a:ext cx="2983229" cy="2612976"/>
+            <a:ext cx="3677920" cy="2612976"/>
           </a:xfrm>
         </p:spPr>
         <p:txBody>
@@ -5646,50 +5496,29 @@
           <a:lstStyle/>
           <a:p>
             <a:r>
-              <a:rPr lang="en-US" sz="4400"/>
-              <a:t>Схема бази даних</a:t>
-            </a:r>
-          </a:p>
-        </p:txBody>
-      </p:sp>
-      <p:pic>
-        <p:nvPicPr>
-          <p:cNvPr id="5" name="Місце для вмісту 4">
-            <a:extLst>
-              <a:ext uri="{FF2B5EF4-FFF2-40B4-BE49-F238E27FC236}">
-                <a16:creationId xmlns:a16="http://schemas.microsoft.com/office/drawing/2014/main" id="{8F00DE0D-A0C0-7670-6577-3C36717C9BD8}"/>
-              </a:ext>
-            </a:extLst>
-          </p:cNvPr>
-          <p:cNvPicPr>
-            <a:picLocks noGrp="1" noChangeAspect="1"/>
-          </p:cNvPicPr>
-          <p:nvPr>
-            <p:ph idx="1"/>
-          </p:nvPr>
-        </p:nvPicPr>
-        <p:blipFill>
-          <a:blip r:embed="rId2">
-            <a:extLst>
-              <a:ext uri="{28A0092B-C50C-407E-A947-70E740481C1C}">
-                <a14:useLocalDpi xmlns:a14="http://schemas.microsoft.com/office/drawing/2010/main" val="0"/>
-              </a:ext>
-            </a:extLst>
-          </a:blip>
-          <a:stretch>
-            <a:fillRect/>
-          </a:stretch>
-        </p:blipFill>
-        <p:spPr>
-          <a:xfrm>
-            <a:off x="2966380" y="739118"/>
-            <a:ext cx="8512388" cy="5149999"/>
-          </a:xfrm>
-          <a:prstGeom prst="rect">
-            <a:avLst/>
-          </a:prstGeom>
-        </p:spPr>
-      </p:pic>
+              <a:rPr lang="en-US" sz="4400" dirty="0" err="1"/>
+              <a:t>Схема</a:t>
+            </a:r>
+            <a:r>
+              <a:rPr lang="en-US" sz="4400" dirty="0"/>
+              <a:t> </a:t>
+            </a:r>
+            <a:r>
+              <a:rPr lang="en-US" sz="4400" dirty="0" err="1"/>
+              <a:t>бази</a:t>
+            </a:r>
+            <a:r>
+              <a:rPr lang="en-US" sz="4400" dirty="0"/>
+              <a:t> </a:t>
+            </a:r>
+            <a:r>
+              <a:rPr lang="en-US" sz="4400" dirty="0" err="1"/>
+              <a:t>даних</a:t>
+            </a:r>
+            <a:endParaRPr lang="en-US" sz="4400" dirty="0"/>
+          </a:p>
+        </p:txBody>
+      </p:sp>
       <p:cxnSp>
         <p:nvCxnSpPr>
           <p:cNvPr id="18" name="Straight Connector 13">
@@ -5738,6 +5567,41 @@
           </a:fontRef>
         </p:style>
       </p:cxnSp>
+      <p:pic>
+        <p:nvPicPr>
+          <p:cNvPr id="7" name="Місце для вмісту 6" descr="Зображення, що містить текст, знімок екрана, схема, Паралель&#10;&#10;Вміст на основі ШІ може бути неправильним.">
+            <a:extLst>
+              <a:ext uri="{FF2B5EF4-FFF2-40B4-BE49-F238E27FC236}">
+                <a16:creationId xmlns:a16="http://schemas.microsoft.com/office/drawing/2014/main" id="{B63ABB99-18D7-0F19-0BC4-7C4B07FE7A5C}"/>
+              </a:ext>
+            </a:extLst>
+          </p:cNvPr>
+          <p:cNvPicPr>
+            <a:picLocks noGrp="1" noChangeAspect="1"/>
+          </p:cNvPicPr>
+          <p:nvPr>
+            <p:ph idx="1"/>
+          </p:nvPr>
+        </p:nvPicPr>
+        <p:blipFill>
+          <a:blip r:embed="rId2">
+            <a:extLst>
+              <a:ext uri="{28A0092B-C50C-407E-A947-70E740481C1C}">
+                <a14:useLocalDpi xmlns:a14="http://schemas.microsoft.com/office/drawing/2010/main" val="0"/>
+              </a:ext>
+            </a:extLst>
+          </a:blip>
+          <a:stretch>
+            <a:fillRect/>
+          </a:stretch>
+        </p:blipFill>
+        <p:spPr>
+          <a:xfrm>
+            <a:off x="5911088" y="166763"/>
+            <a:ext cx="5567680" cy="5939258"/>
+          </a:xfrm>
+        </p:spPr>
+      </p:pic>
     </p:spTree>
     <p:extLst>
       <p:ext uri="{BB962C8B-B14F-4D97-AF65-F5344CB8AC3E}">
@@ -5954,7 +5818,7 @@
         <p:spPr>
           <a:xfrm>
             <a:off x="640080" y="2633236"/>
-            <a:ext cx="4775200" cy="3666980"/>
+            <a:ext cx="3566160" cy="3666980"/>
           </a:xfrm>
         </p:spPr>
         <p:txBody>
@@ -5981,10 +5845,10 @@
       </p:sp>
       <p:pic>
         <p:nvPicPr>
-          <p:cNvPr id="7" name="Рисунок 6" descr="Зображення, що містить текст, знімок екрана, програмне забезпечення, Мультимедійне програмне забезпечення&#10;&#10;Вміст на основі ШІ може бути неправильним.">
-            <a:extLst>
-              <a:ext uri="{FF2B5EF4-FFF2-40B4-BE49-F238E27FC236}">
-                <a16:creationId xmlns:a16="http://schemas.microsoft.com/office/drawing/2014/main" id="{83993444-BDDD-504C-95E3-4824CDF97B10}"/>
+          <p:cNvPr id="5" name="Рисунок 4" descr="Зображення, що містить текст, знімок екрана, програмне забезпечення, число&#10;&#10;Вміст на основі ШІ може бути неправильним.">
+            <a:extLst>
+              <a:ext uri="{FF2B5EF4-FFF2-40B4-BE49-F238E27FC236}">
+                <a16:creationId xmlns:a16="http://schemas.microsoft.com/office/drawing/2014/main" id="{31682EEE-F27B-80A8-C977-41BB158B37BB}"/>
               </a:ext>
             </a:extLst>
           </p:cNvPr>
@@ -6007,8 +5871,8 @@
         </p:blipFill>
         <p:spPr>
           <a:xfrm>
-            <a:off x="5985547" y="1524000"/>
-            <a:ext cx="5545462" cy="4776216"/>
+            <a:off x="4331312" y="1015761"/>
+            <a:ext cx="7308900" cy="4735941"/>
           </a:xfrm>
           <a:prstGeom prst="rect">
             <a:avLst/>
@@ -6356,19 +6220,17 @@
       </p:sp>
       <p:pic>
         <p:nvPicPr>
-          <p:cNvPr id="5" name="Місце для вмісту 4">
-            <a:extLst>
-              <a:ext uri="{FF2B5EF4-FFF2-40B4-BE49-F238E27FC236}">
-                <a16:creationId xmlns:a16="http://schemas.microsoft.com/office/drawing/2014/main" id="{4FC8F3AF-7B84-C0C8-413A-F9BE555C96B8}"/>
+          <p:cNvPr id="4" name="Рисунок 3">
+            <a:extLst>
+              <a:ext uri="{FF2B5EF4-FFF2-40B4-BE49-F238E27FC236}">
+                <a16:creationId xmlns:a16="http://schemas.microsoft.com/office/drawing/2014/main" id="{177415AA-DBB0-F8B7-12B2-5853CA444B3F}"/>
               </a:ext>
             </a:extLst>
           </p:cNvPr>
           <p:cNvPicPr>
-            <a:picLocks noGrp="1" noChangeAspect="1"/>
+            <a:picLocks noChangeAspect="1"/>
           </p:cNvPicPr>
-          <p:nvPr>
-            <p:ph idx="1"/>
-          </p:nvPr>
+          <p:nvPr/>
         </p:nvPicPr>
         <p:blipFill>
           <a:blip r:embed="rId2"/>
@@ -6378,8 +6240,8 @@
         </p:blipFill>
         <p:spPr>
           <a:xfrm>
-            <a:off x="650081" y="2532608"/>
-            <a:ext cx="10891837" cy="1792783"/>
+            <a:off x="640079" y="2370048"/>
+            <a:ext cx="8963915" cy="1792783"/>
           </a:xfrm>
           <a:prstGeom prst="rect">
             <a:avLst/>
@@ -6388,10 +6250,10 @@
       </p:pic>
       <p:pic>
         <p:nvPicPr>
-          <p:cNvPr id="7" name="Рисунок 6">
-            <a:extLst>
-              <a:ext uri="{FF2B5EF4-FFF2-40B4-BE49-F238E27FC236}">
-                <a16:creationId xmlns:a16="http://schemas.microsoft.com/office/drawing/2014/main" id="{CAA26E73-B609-B522-A05A-FFBE39BCAFC6}"/>
+          <p:cNvPr id="10" name="Рисунок 9">
+            <a:extLst>
+              <a:ext uri="{FF2B5EF4-FFF2-40B4-BE49-F238E27FC236}">
+                <a16:creationId xmlns:a16="http://schemas.microsoft.com/office/drawing/2014/main" id="{DF7395FA-AEDD-6500-C1EF-E56AB9444D31}"/>
               </a:ext>
             </a:extLst>
           </p:cNvPr>
@@ -6408,8 +6270,8 @@
         </p:blipFill>
         <p:spPr>
           <a:xfrm>
-            <a:off x="650081" y="4743449"/>
-            <a:ext cx="6257925" cy="742950"/>
+            <a:off x="640079" y="4448810"/>
+            <a:ext cx="6259207" cy="1159510"/>
           </a:xfrm>
           <a:prstGeom prst="rect">
             <a:avLst/>
@@ -6477,19 +6339,17 @@
       </p:sp>
       <p:pic>
         <p:nvPicPr>
-          <p:cNvPr id="5" name="Місце для вмісту 4">
-            <a:extLst>
-              <a:ext uri="{FF2B5EF4-FFF2-40B4-BE49-F238E27FC236}">
-                <a16:creationId xmlns:a16="http://schemas.microsoft.com/office/drawing/2014/main" id="{CD4A83A2-B56D-7701-7E49-BF12029C9111}"/>
+          <p:cNvPr id="8" name="Рисунок 7">
+            <a:extLst>
+              <a:ext uri="{FF2B5EF4-FFF2-40B4-BE49-F238E27FC236}">
+                <a16:creationId xmlns:a16="http://schemas.microsoft.com/office/drawing/2014/main" id="{ADF7EA4F-6CEE-4947-2E9F-01307DD2FE7F}"/>
               </a:ext>
             </a:extLst>
           </p:cNvPr>
           <p:cNvPicPr>
-            <a:picLocks noGrp="1" noChangeAspect="1"/>
+            <a:picLocks noChangeAspect="1"/>
           </p:cNvPicPr>
-          <p:nvPr>
-            <p:ph idx="1"/>
-          </p:nvPr>
+          <p:nvPr/>
         </p:nvPicPr>
         <p:blipFill>
           <a:blip r:embed="rId2"/>
@@ -6499,8 +6359,8 @@
         </p:blipFill>
         <p:spPr>
           <a:xfrm>
-            <a:off x="640078" y="2225040"/>
-            <a:ext cx="10708641" cy="1944788"/>
+            <a:off x="640078" y="2286000"/>
+            <a:ext cx="11033760" cy="1463040"/>
           </a:xfrm>
           <a:prstGeom prst="rect">
             <a:avLst/>
@@ -6509,10 +6369,10 @@
       </p:pic>
       <p:pic>
         <p:nvPicPr>
-          <p:cNvPr id="7" name="Рисунок 6">
-            <a:extLst>
-              <a:ext uri="{FF2B5EF4-FFF2-40B4-BE49-F238E27FC236}">
-                <a16:creationId xmlns:a16="http://schemas.microsoft.com/office/drawing/2014/main" id="{52F83040-F2DC-6B51-7420-20D019B08C04}"/>
+          <p:cNvPr id="10" name="Рисунок 9">
+            <a:extLst>
+              <a:ext uri="{FF2B5EF4-FFF2-40B4-BE49-F238E27FC236}">
+                <a16:creationId xmlns:a16="http://schemas.microsoft.com/office/drawing/2014/main" id="{8F06391E-5F23-BB2A-0C8C-D4AE3B7702E9}"/>
               </a:ext>
             </a:extLst>
           </p:cNvPr>
@@ -6529,8 +6389,8 @@
         </p:blipFill>
         <p:spPr>
           <a:xfrm>
-            <a:off x="640078" y="4500562"/>
-            <a:ext cx="4565275" cy="731838"/>
+            <a:off x="640078" y="4110988"/>
+            <a:ext cx="7731762" cy="695259"/>
           </a:xfrm>
           <a:prstGeom prst="rect">
             <a:avLst/>
@@ -6598,19 +6458,17 @@
       </p:sp>
       <p:pic>
         <p:nvPicPr>
-          <p:cNvPr id="5" name="Місце для вмісту 4">
-            <a:extLst>
-              <a:ext uri="{FF2B5EF4-FFF2-40B4-BE49-F238E27FC236}">
-                <a16:creationId xmlns:a16="http://schemas.microsoft.com/office/drawing/2014/main" id="{2FCD667A-FDE4-B7BF-835D-2D596517E1B4}"/>
+          <p:cNvPr id="8" name="Рисунок 7">
+            <a:extLst>
+              <a:ext uri="{FF2B5EF4-FFF2-40B4-BE49-F238E27FC236}">
+                <a16:creationId xmlns:a16="http://schemas.microsoft.com/office/drawing/2014/main" id="{140FFE80-6E2C-49E5-D2F6-576F6158A11B}"/>
               </a:ext>
             </a:extLst>
           </p:cNvPr>
           <p:cNvPicPr>
-            <a:picLocks noGrp="1" noChangeAspect="1"/>
+            <a:picLocks noChangeAspect="1"/>
           </p:cNvPicPr>
-          <p:nvPr>
-            <p:ph idx="1"/>
-          </p:nvPr>
+          <p:nvPr/>
         </p:nvPicPr>
         <p:blipFill>
           <a:blip r:embed="rId2"/>
@@ -6620,8 +6478,8 @@
         </p:blipFill>
         <p:spPr>
           <a:xfrm>
-            <a:off x="660992" y="2302192"/>
-            <a:ext cx="10642344" cy="2086928"/>
+            <a:off x="640079" y="2217420"/>
+            <a:ext cx="10734675" cy="2171700"/>
           </a:xfrm>
           <a:prstGeom prst="rect">
             <a:avLst/>
@@ -6630,10 +6488,10 @@
       </p:pic>
       <p:pic>
         <p:nvPicPr>
-          <p:cNvPr id="7" name="Рисунок 6">
-            <a:extLst>
-              <a:ext uri="{FF2B5EF4-FFF2-40B4-BE49-F238E27FC236}">
-                <a16:creationId xmlns:a16="http://schemas.microsoft.com/office/drawing/2014/main" id="{FE09B53B-CC5F-462A-08BF-1F3A049A429E}"/>
+          <p:cNvPr id="10" name="Рисунок 9">
+            <a:extLst>
+              <a:ext uri="{FF2B5EF4-FFF2-40B4-BE49-F238E27FC236}">
+                <a16:creationId xmlns:a16="http://schemas.microsoft.com/office/drawing/2014/main" id="{60C42803-E38A-AEE1-0B8B-96AD77383300}"/>
               </a:ext>
             </a:extLst>
           </p:cNvPr>
@@ -6650,8 +6508,8 @@
         </p:blipFill>
         <p:spPr>
           <a:xfrm>
-            <a:off x="660992" y="4648200"/>
-            <a:ext cx="5867400" cy="1828800"/>
+            <a:off x="640079" y="4455160"/>
+            <a:ext cx="6512561" cy="2313565"/>
           </a:xfrm>
           <a:prstGeom prst="rect">
             <a:avLst/>
